--- a/1. Java/day19/Messenger System 구축.pptx
+++ b/1. Java/day19/Messenger System 구축.pptx
@@ -6,10 +6,10 @@
     <p:sldMasterId id="2147484012" r:id="rId2"/>
   </p:sldMasterIdLst>
   <p:notesMasterIdLst>
-    <p:notesMasterId r:id="rId30"/>
+    <p:notesMasterId r:id="rId31"/>
   </p:notesMasterIdLst>
   <p:handoutMasterIdLst>
-    <p:handoutMasterId r:id="rId31"/>
+    <p:handoutMasterId r:id="rId32"/>
   </p:handoutMasterIdLst>
   <p:sldIdLst>
     <p:sldId id="484" r:id="rId3"/>
@@ -39,6 +39,7 @@
     <p:sldId id="509" r:id="rId27"/>
     <p:sldId id="510" r:id="rId28"/>
     <p:sldId id="511" r:id="rId29"/>
+    <p:sldId id="513" r:id="rId30"/>
   </p:sldIdLst>
   <p:sldSz cx="9144000" cy="6858000" type="screen4x3"/>
   <p:notesSz cx="6858000" cy="9144000"/>
@@ -8723,33 +8724,33 @@
     </dgm:pt>
   </dgm:ptLst>
   <dgm:cxnLst>
+    <dgm:cxn modelId="{80C7C918-E221-426C-8FF9-AE31008193B9}" srcId="{186387E3-029E-4BA6-A045-E3D9367CED79}" destId="{E12B2815-0121-49CD-84E7-6E94A7690F49}" srcOrd="0" destOrd="0" parTransId="{A6E3D22C-71D8-431E-B996-AC7AA1A073FA}" sibTransId="{0D4B949A-034F-447D-AA76-BB6361E2108D}"/>
+    <dgm:cxn modelId="{3E67D1F9-965A-4BC2-98F9-8A0F48405756}" type="presOf" srcId="{A8289B4E-D589-46F3-8BB0-63A7D0593596}" destId="{7FF4892D-F037-46FC-9717-F74C7F94378F}" srcOrd="0" destOrd="0" presId="urn:microsoft.com/office/officeart/2005/8/layout/hierarchy2"/>
+    <dgm:cxn modelId="{C1497188-93B3-4146-AA72-D4715DA3A374}" srcId="{5816FF11-CE51-4D03-B219-0165D5A946CB}" destId="{0AF87D9D-A16F-40BA-80BE-4C7B61E30FA0}" srcOrd="0" destOrd="0" parTransId="{E811DA04-2A0C-4CF8-B156-ED75AE6F14D4}" sibTransId="{5FD70F18-6321-48BA-93BB-4BE98A54B84D}"/>
+    <dgm:cxn modelId="{CA7096FC-D9F8-4BEC-A81E-C87AC167D7D7}" srcId="{361403C7-0A51-410A-8E6F-227D5C4699A7}" destId="{5816FF11-CE51-4D03-B219-0165D5A946CB}" srcOrd="0" destOrd="0" parTransId="{EF952D8C-7E7E-47DA-9E03-29E7FEDCC3FD}" sibTransId="{9586D7D2-5150-4923-BB9D-E99DA5F303AB}"/>
+    <dgm:cxn modelId="{CF773426-E174-4B57-AD8F-D0D746E931AF}" srcId="{A8289B4E-D589-46F3-8BB0-63A7D0593596}" destId="{3C47CBC1-6E4A-4FA7-A88C-CA6A67F33885}" srcOrd="0" destOrd="0" parTransId="{CD7DB9D6-36ED-443D-B36A-D730DDF0C34E}" sibTransId="{848AF2F6-79C2-4CD2-B4FF-9E73E67C6A31}"/>
+    <dgm:cxn modelId="{11DF0E62-D1C8-4B5C-BF68-80AD4A3FFBB2}" type="presOf" srcId="{0B8E8890-4ACB-42A8-BE57-337992691340}" destId="{1F12E303-B6FF-44D7-8065-2059FD60DA40}" srcOrd="0" destOrd="0" presId="urn:microsoft.com/office/officeart/2005/8/layout/hierarchy2"/>
+    <dgm:cxn modelId="{5A2A5A62-34E0-4304-B783-DE53DBE5FE23}" type="presOf" srcId="{CD7DB9D6-36ED-443D-B36A-D730DDF0C34E}" destId="{21CE787E-1C05-46BD-9682-11AEE163F03D}" srcOrd="1" destOrd="0" presId="urn:microsoft.com/office/officeart/2005/8/layout/hierarchy2"/>
+    <dgm:cxn modelId="{446D6278-569C-46E3-88E3-99E153BB8A89}" type="presOf" srcId="{5A74A9F6-2103-439C-86F8-C2824EC47436}" destId="{41EE21E3-ACAD-4EAA-ADB0-8C6882AC60EE}" srcOrd="1" destOrd="0" presId="urn:microsoft.com/office/officeart/2005/8/layout/hierarchy2"/>
+    <dgm:cxn modelId="{0774FCD3-6566-41A2-B247-51F6064B3909}" type="presOf" srcId="{CD7DB9D6-36ED-443D-B36A-D730DDF0C34E}" destId="{C7F8F510-EB10-4B78-9FE0-D9B4B21079DF}" srcOrd="0" destOrd="0" presId="urn:microsoft.com/office/officeart/2005/8/layout/hierarchy2"/>
+    <dgm:cxn modelId="{C331D1E8-C93B-4075-A3C6-4883CEBFC3E9}" type="presOf" srcId="{F886CCA5-3136-4209-8FCC-7C01A2BF1266}" destId="{991253AD-2841-432E-A66C-7ECA30B0DC3B}" srcOrd="1" destOrd="0" presId="urn:microsoft.com/office/officeart/2005/8/layout/hierarchy2"/>
+    <dgm:cxn modelId="{E91BAFC4-3913-442A-9C49-1CB88A70DE9A}" type="presOf" srcId="{A6E3D22C-71D8-431E-B996-AC7AA1A073FA}" destId="{66CC2228-F2B1-4BDA-AA76-CD74F0E9E032}" srcOrd="1" destOrd="0" presId="urn:microsoft.com/office/officeart/2005/8/layout/hierarchy2"/>
+    <dgm:cxn modelId="{086A6476-7C46-4E3F-9D43-56F375E2F508}" srcId="{0AF87D9D-A16F-40BA-80BE-4C7B61E30FA0}" destId="{0B8E8890-4ACB-42A8-BE57-337992691340}" srcOrd="0" destOrd="0" parTransId="{5A74A9F6-2103-439C-86F8-C2824EC47436}" sibTransId="{52A0B1F1-A1B3-42DA-A92D-2DB1927BAAD4}"/>
+    <dgm:cxn modelId="{FE546EBB-2539-4582-984F-7BE875015DEB}" type="presOf" srcId="{E12B2815-0121-49CD-84E7-6E94A7690F49}" destId="{20CC3395-F268-47C4-9E54-94E34342E640}" srcOrd="0" destOrd="0" presId="urn:microsoft.com/office/officeart/2005/8/layout/hierarchy2"/>
+    <dgm:cxn modelId="{414A8499-5BD4-40EB-B55C-4E8A8000DED6}" srcId="{5816FF11-CE51-4D03-B219-0165D5A946CB}" destId="{A8289B4E-D589-46F3-8BB0-63A7D0593596}" srcOrd="2" destOrd="0" parTransId="{F886CCA5-3136-4209-8FCC-7C01A2BF1266}" sibTransId="{94D6AC22-E134-495E-937B-5170C3C51A4C}"/>
+    <dgm:cxn modelId="{9CC7C7D3-DA1A-40A9-82F1-A04B92806F39}" type="presOf" srcId="{E811DA04-2A0C-4CF8-B156-ED75AE6F14D4}" destId="{92F3A8B6-777D-4C58-B130-248462304406}" srcOrd="1" destOrd="0" presId="urn:microsoft.com/office/officeart/2005/8/layout/hierarchy2"/>
+    <dgm:cxn modelId="{5171794F-62A0-4777-8820-89BE80E85A6B}" type="presOf" srcId="{46C52A42-38F1-4B9E-8B79-8A06E2EB8052}" destId="{FE84AF4A-46B2-4D15-80E0-E50197917B3B}" srcOrd="1" destOrd="0" presId="urn:microsoft.com/office/officeart/2005/8/layout/hierarchy2"/>
+    <dgm:cxn modelId="{A26F3E39-0717-421B-9A9C-85029F5C4F8E}" type="presOf" srcId="{361403C7-0A51-410A-8E6F-227D5C4699A7}" destId="{3C44FE8F-7132-4D0D-9391-D6EB09F5AA80}" srcOrd="0" destOrd="0" presId="urn:microsoft.com/office/officeart/2005/8/layout/hierarchy2"/>
+    <dgm:cxn modelId="{A79CAB3A-9F7E-4B58-B75E-033A01153184}" type="presOf" srcId="{3C47CBC1-6E4A-4FA7-A88C-CA6A67F33885}" destId="{71DD8B2C-BC45-4A0A-B436-721577774DBA}" srcOrd="0" destOrd="0" presId="urn:microsoft.com/office/officeart/2005/8/layout/hierarchy2"/>
+    <dgm:cxn modelId="{5A06469F-A5BB-4E5B-A773-765DB1C60CC9}" type="presOf" srcId="{A6E3D22C-71D8-431E-B996-AC7AA1A073FA}" destId="{20E20CC2-FA3A-44C0-A7FA-C0DBCA390B5C}" srcOrd="0" destOrd="0" presId="urn:microsoft.com/office/officeart/2005/8/layout/hierarchy2"/>
+    <dgm:cxn modelId="{5BF1EFDF-AB56-4217-84F6-1EDF8CC24F39}" type="presOf" srcId="{0AF87D9D-A16F-40BA-80BE-4C7B61E30FA0}" destId="{BA4CEC8D-79F4-4828-9D96-C445BE378F55}" srcOrd="0" destOrd="0" presId="urn:microsoft.com/office/officeart/2005/8/layout/hierarchy2"/>
+    <dgm:cxn modelId="{1849CB42-B4A5-4920-8D26-D9F131CC0E3E}" srcId="{5816FF11-CE51-4D03-B219-0165D5A946CB}" destId="{186387E3-029E-4BA6-A045-E3D9367CED79}" srcOrd="1" destOrd="0" parTransId="{46C52A42-38F1-4B9E-8B79-8A06E2EB8052}" sibTransId="{7B65F1D1-2C0B-4959-9A1C-E09CDDC6BDD5}"/>
     <dgm:cxn modelId="{8EDFBFFE-F183-40C1-B59B-4541EEA5C0EA}" type="presOf" srcId="{5A74A9F6-2103-439C-86F8-C2824EC47436}" destId="{0C82A928-BC72-4E90-A75B-7D9B198DD474}" srcOrd="0" destOrd="0" presId="urn:microsoft.com/office/officeart/2005/8/layout/hierarchy2"/>
-    <dgm:cxn modelId="{CF773426-E174-4B57-AD8F-D0D746E931AF}" srcId="{A8289B4E-D589-46F3-8BB0-63A7D0593596}" destId="{3C47CBC1-6E4A-4FA7-A88C-CA6A67F33885}" srcOrd="0" destOrd="0" parTransId="{CD7DB9D6-36ED-443D-B36A-D730DDF0C34E}" sibTransId="{848AF2F6-79C2-4CD2-B4FF-9E73E67C6A31}"/>
-    <dgm:cxn modelId="{3E67D1F9-965A-4BC2-98F9-8A0F48405756}" type="presOf" srcId="{A8289B4E-D589-46F3-8BB0-63A7D0593596}" destId="{7FF4892D-F037-46FC-9717-F74C7F94378F}" srcOrd="0" destOrd="0" presId="urn:microsoft.com/office/officeart/2005/8/layout/hierarchy2"/>
-    <dgm:cxn modelId="{0774FCD3-6566-41A2-B247-51F6064B3909}" type="presOf" srcId="{CD7DB9D6-36ED-443D-B36A-D730DDF0C34E}" destId="{C7F8F510-EB10-4B78-9FE0-D9B4B21079DF}" srcOrd="0" destOrd="0" presId="urn:microsoft.com/office/officeart/2005/8/layout/hierarchy2"/>
-    <dgm:cxn modelId="{5171794F-62A0-4777-8820-89BE80E85A6B}" type="presOf" srcId="{46C52A42-38F1-4B9E-8B79-8A06E2EB8052}" destId="{FE84AF4A-46B2-4D15-80E0-E50197917B3B}" srcOrd="1" destOrd="0" presId="urn:microsoft.com/office/officeart/2005/8/layout/hierarchy2"/>
-    <dgm:cxn modelId="{A79CAB3A-9F7E-4B58-B75E-033A01153184}" type="presOf" srcId="{3C47CBC1-6E4A-4FA7-A88C-CA6A67F33885}" destId="{71DD8B2C-BC45-4A0A-B436-721577774DBA}" srcOrd="0" destOrd="0" presId="urn:microsoft.com/office/officeart/2005/8/layout/hierarchy2"/>
-    <dgm:cxn modelId="{446D6278-569C-46E3-88E3-99E153BB8A89}" type="presOf" srcId="{5A74A9F6-2103-439C-86F8-C2824EC47436}" destId="{41EE21E3-ACAD-4EAA-ADB0-8C6882AC60EE}" srcOrd="1" destOrd="0" presId="urn:microsoft.com/office/officeart/2005/8/layout/hierarchy2"/>
-    <dgm:cxn modelId="{A26F3E39-0717-421B-9A9C-85029F5C4F8E}" type="presOf" srcId="{361403C7-0A51-410A-8E6F-227D5C4699A7}" destId="{3C44FE8F-7132-4D0D-9391-D6EB09F5AA80}" srcOrd="0" destOrd="0" presId="urn:microsoft.com/office/officeart/2005/8/layout/hierarchy2"/>
+    <dgm:cxn modelId="{1B41E938-5276-4B77-ADE9-1FF5E4EE2499}" type="presOf" srcId="{F886CCA5-3136-4209-8FCC-7C01A2BF1266}" destId="{85047560-8867-457C-A2D7-DD75FE6F436F}" srcOrd="0" destOrd="0" presId="urn:microsoft.com/office/officeart/2005/8/layout/hierarchy2"/>
     <dgm:cxn modelId="{FEB1ADDD-E6EC-4D8B-A7C6-A765BBDC15D2}" type="presOf" srcId="{E811DA04-2A0C-4CF8-B156-ED75AE6F14D4}" destId="{D6738A35-FA50-42CC-99C7-242594FC2E3B}" srcOrd="0" destOrd="0" presId="urn:microsoft.com/office/officeart/2005/8/layout/hierarchy2"/>
-    <dgm:cxn modelId="{9CC7C7D3-DA1A-40A9-82F1-A04B92806F39}" type="presOf" srcId="{E811DA04-2A0C-4CF8-B156-ED75AE6F14D4}" destId="{92F3A8B6-777D-4C58-B130-248462304406}" srcOrd="1" destOrd="0" presId="urn:microsoft.com/office/officeart/2005/8/layout/hierarchy2"/>
-    <dgm:cxn modelId="{CA7096FC-D9F8-4BEC-A81E-C87AC167D7D7}" srcId="{361403C7-0A51-410A-8E6F-227D5C4699A7}" destId="{5816FF11-CE51-4D03-B219-0165D5A946CB}" srcOrd="0" destOrd="0" parTransId="{EF952D8C-7E7E-47DA-9E03-29E7FEDCC3FD}" sibTransId="{9586D7D2-5150-4923-BB9D-E99DA5F303AB}"/>
-    <dgm:cxn modelId="{C1497188-93B3-4146-AA72-D4715DA3A374}" srcId="{5816FF11-CE51-4D03-B219-0165D5A946CB}" destId="{0AF87D9D-A16F-40BA-80BE-4C7B61E30FA0}" srcOrd="0" destOrd="0" parTransId="{E811DA04-2A0C-4CF8-B156-ED75AE6F14D4}" sibTransId="{5FD70F18-6321-48BA-93BB-4BE98A54B84D}"/>
-    <dgm:cxn modelId="{5A06469F-A5BB-4E5B-A773-765DB1C60CC9}" type="presOf" srcId="{A6E3D22C-71D8-431E-B996-AC7AA1A073FA}" destId="{20E20CC2-FA3A-44C0-A7FA-C0DBCA390B5C}" srcOrd="0" destOrd="0" presId="urn:microsoft.com/office/officeart/2005/8/layout/hierarchy2"/>
-    <dgm:cxn modelId="{80C7C918-E221-426C-8FF9-AE31008193B9}" srcId="{186387E3-029E-4BA6-A045-E3D9367CED79}" destId="{E12B2815-0121-49CD-84E7-6E94A7690F49}" srcOrd="0" destOrd="0" parTransId="{A6E3D22C-71D8-431E-B996-AC7AA1A073FA}" sibTransId="{0D4B949A-034F-447D-AA76-BB6361E2108D}"/>
-    <dgm:cxn modelId="{414A8499-5BD4-40EB-B55C-4E8A8000DED6}" srcId="{5816FF11-CE51-4D03-B219-0165D5A946CB}" destId="{A8289B4E-D589-46F3-8BB0-63A7D0593596}" srcOrd="2" destOrd="0" parTransId="{F886CCA5-3136-4209-8FCC-7C01A2BF1266}" sibTransId="{94D6AC22-E134-495E-937B-5170C3C51A4C}"/>
-    <dgm:cxn modelId="{5BF1EFDF-AB56-4217-84F6-1EDF8CC24F39}" type="presOf" srcId="{0AF87D9D-A16F-40BA-80BE-4C7B61E30FA0}" destId="{BA4CEC8D-79F4-4828-9D96-C445BE378F55}" srcOrd="0" destOrd="0" presId="urn:microsoft.com/office/officeart/2005/8/layout/hierarchy2"/>
-    <dgm:cxn modelId="{086A6476-7C46-4E3F-9D43-56F375E2F508}" srcId="{0AF87D9D-A16F-40BA-80BE-4C7B61E30FA0}" destId="{0B8E8890-4ACB-42A8-BE57-337992691340}" srcOrd="0" destOrd="0" parTransId="{5A74A9F6-2103-439C-86F8-C2824EC47436}" sibTransId="{52A0B1F1-A1B3-42DA-A92D-2DB1927BAAD4}"/>
     <dgm:cxn modelId="{83D2C4ED-815D-4468-906B-CD013C3A3796}" type="presOf" srcId="{186387E3-029E-4BA6-A045-E3D9367CED79}" destId="{9A3E7730-4431-40E7-BEB2-78BF3EBE7F12}" srcOrd="0" destOrd="0" presId="urn:microsoft.com/office/officeart/2005/8/layout/hierarchy2"/>
-    <dgm:cxn modelId="{C331D1E8-C93B-4075-A3C6-4883CEBFC3E9}" type="presOf" srcId="{F886CCA5-3136-4209-8FCC-7C01A2BF1266}" destId="{991253AD-2841-432E-A66C-7ECA30B0DC3B}" srcOrd="1" destOrd="0" presId="urn:microsoft.com/office/officeart/2005/8/layout/hierarchy2"/>
-    <dgm:cxn modelId="{11DF0E62-D1C8-4B5C-BF68-80AD4A3FFBB2}" type="presOf" srcId="{0B8E8890-4ACB-42A8-BE57-337992691340}" destId="{1F12E303-B6FF-44D7-8065-2059FD60DA40}" srcOrd="0" destOrd="0" presId="urn:microsoft.com/office/officeart/2005/8/layout/hierarchy2"/>
-    <dgm:cxn modelId="{E91BAFC4-3913-442A-9C49-1CB88A70DE9A}" type="presOf" srcId="{A6E3D22C-71D8-431E-B996-AC7AA1A073FA}" destId="{66CC2228-F2B1-4BDA-AA76-CD74F0E9E032}" srcOrd="1" destOrd="0" presId="urn:microsoft.com/office/officeart/2005/8/layout/hierarchy2"/>
-    <dgm:cxn modelId="{FE546EBB-2539-4582-984F-7BE875015DEB}" type="presOf" srcId="{E12B2815-0121-49CD-84E7-6E94A7690F49}" destId="{20CC3395-F268-47C4-9E54-94E34342E640}" srcOrd="0" destOrd="0" presId="urn:microsoft.com/office/officeart/2005/8/layout/hierarchy2"/>
     <dgm:cxn modelId="{E71EC911-B3FB-45E5-8801-D90C83172CB3}" type="presOf" srcId="{5816FF11-CE51-4D03-B219-0165D5A946CB}" destId="{E074E133-AAE2-4D66-BB80-CCAA646FDCDC}" srcOrd="0" destOrd="0" presId="urn:microsoft.com/office/officeart/2005/8/layout/hierarchy2"/>
-    <dgm:cxn modelId="{5A2A5A62-34E0-4304-B783-DE53DBE5FE23}" type="presOf" srcId="{CD7DB9D6-36ED-443D-B36A-D730DDF0C34E}" destId="{21CE787E-1C05-46BD-9682-11AEE163F03D}" srcOrd="1" destOrd="0" presId="urn:microsoft.com/office/officeart/2005/8/layout/hierarchy2"/>
     <dgm:cxn modelId="{CA2C380E-1102-4F0E-B487-A0EDF3AC1A62}" type="presOf" srcId="{46C52A42-38F1-4B9E-8B79-8A06E2EB8052}" destId="{3572E315-D5A6-4911-99A5-0CB8026E68E9}" srcOrd="0" destOrd="0" presId="urn:microsoft.com/office/officeart/2005/8/layout/hierarchy2"/>
-    <dgm:cxn modelId="{1849CB42-B4A5-4920-8D26-D9F131CC0E3E}" srcId="{5816FF11-CE51-4D03-B219-0165D5A946CB}" destId="{186387E3-029E-4BA6-A045-E3D9367CED79}" srcOrd="1" destOrd="0" parTransId="{46C52A42-38F1-4B9E-8B79-8A06E2EB8052}" sibTransId="{7B65F1D1-2C0B-4959-9A1C-E09CDDC6BDD5}"/>
-    <dgm:cxn modelId="{1B41E938-5276-4B77-ADE9-1FF5E4EE2499}" type="presOf" srcId="{F886CCA5-3136-4209-8FCC-7C01A2BF1266}" destId="{85047560-8867-457C-A2D7-DD75FE6F436F}" srcOrd="0" destOrd="0" presId="urn:microsoft.com/office/officeart/2005/8/layout/hierarchy2"/>
     <dgm:cxn modelId="{4E63CFEA-15E1-4E11-8C91-AB19F1B56C35}" type="presParOf" srcId="{3C44FE8F-7132-4D0D-9391-D6EB09F5AA80}" destId="{E5972291-1958-4E57-989E-51056346F459}" srcOrd="0" destOrd="0" presId="urn:microsoft.com/office/officeart/2005/8/layout/hierarchy2"/>
     <dgm:cxn modelId="{8F09E01A-4F54-458D-ACED-1B98D16CDDB6}" type="presParOf" srcId="{E5972291-1958-4E57-989E-51056346F459}" destId="{E074E133-AAE2-4D66-BB80-CCAA646FDCDC}" srcOrd="0" destOrd="0" presId="urn:microsoft.com/office/officeart/2005/8/layout/hierarchy2"/>
     <dgm:cxn modelId="{5C72E82D-0668-4BCE-B9B8-F61BA2AEE73B}" type="presParOf" srcId="{E5972291-1958-4E57-989E-51056346F459}" destId="{79500292-7489-4F87-86DA-9647CE48472C}" srcOrd="1" destOrd="0" presId="urn:microsoft.com/office/officeart/2005/8/layout/hierarchy2"/>
@@ -31001,7 +31002,7 @@
         <p:nvSpPr>
           <p:cNvPr id="32772" name="Rectangle 4"/>
           <p:cNvSpPr>
-            <a:spLocks noRot="1" noChangeArrowheads="1" noTextEdit="1"/>
+            <a:spLocks noGrp="1" noRot="1" noChangeAspect="1" noChangeArrowheads="1" noTextEdit="1"/>
           </p:cNvSpPr>
           <p:nvPr>
             <p:ph type="sldImg" idx="2"/>
@@ -33067,6 +33068,278 @@
               </a:rPr>
               <a:pPr/>
               <a:t>27</a:t>
+            </a:fld>
+            <a:endParaRPr lang="en-US" altLang="ko-KR" sz="1200" b="0" smtClean="0">
+              <a:latin typeface="Arial" charset="0"/>
+              <a:ea typeface="굴림" pitchFamily="50" charset="-127"/>
+            </a:endParaRPr>
+          </a:p>
+        </p:txBody>
+      </p:sp>
+    </p:spTree>
+  </p:cSld>
+  <p:clrMapOvr>
+    <a:masterClrMapping/>
+  </p:clrMapOvr>
+</p:notes>
+</file>
+
+<file path=ppt/notesSlides/notesSlide15.xml><?xml version="1.0" encoding="utf-8"?>
+<p:notes xmlns:a="http://schemas.openxmlformats.org/drawingml/2006/main" xmlns:r="http://schemas.openxmlformats.org/officeDocument/2006/relationships" xmlns:p="http://schemas.openxmlformats.org/presentationml/2006/main">
+  <p:cSld>
+    <p:spTree>
+      <p:nvGrpSpPr>
+        <p:cNvPr id="1" name=""/>
+        <p:cNvGrpSpPr/>
+        <p:nvPr/>
+      </p:nvGrpSpPr>
+      <p:grpSpPr>
+        <a:xfrm>
+          <a:off x="0" y="0"/>
+          <a:ext cx="0" cy="0"/>
+          <a:chOff x="0" y="0"/>
+          <a:chExt cx="0" cy="0"/>
+        </a:xfrm>
+      </p:grpSpPr>
+      <p:sp>
+        <p:nvSpPr>
+          <p:cNvPr id="47106" name="슬라이드 이미지 개체 틀 1"/>
+          <p:cNvSpPr>
+            <a:spLocks noGrp="1" noRot="1" noChangeAspect="1" noTextEdit="1"/>
+          </p:cNvSpPr>
+          <p:nvPr>
+            <p:ph type="sldImg"/>
+          </p:nvPr>
+        </p:nvSpPr>
+        <p:spPr>
+          <a:ln/>
+        </p:spPr>
+      </p:sp>
+      <p:sp>
+        <p:nvSpPr>
+          <p:cNvPr id="47107" name="슬라이드 노트 개체 틀 2"/>
+          <p:cNvSpPr>
+            <a:spLocks noGrp="1"/>
+          </p:cNvSpPr>
+          <p:nvPr>
+            <p:ph type="body" idx="1"/>
+          </p:nvPr>
+        </p:nvSpPr>
+        <p:spPr>
+          <a:noFill/>
+          <a:ln/>
+          <a:extLst>
+            <a:ext uri="{909E8E84-426E-40DD-AFC4-6F175D3DCCD1}">
+              <a14:hiddenFill xmlns:a14="http://schemas.microsoft.com/office/drawing/2010/main">
+                <a:solidFill>
+                  <a:srgbClr val="FFFFFF"/>
+                </a:solidFill>
+              </a14:hiddenFill>
+            </a:ext>
+            <a:ext uri="{91240B29-F687-4F45-9708-019B960494DF}">
+              <a14:hiddenLine xmlns:a14="http://schemas.microsoft.com/office/drawing/2010/main" w="9525">
+                <a:solidFill>
+                  <a:srgbClr val="000000"/>
+                </a:solidFill>
+                <a:miter lim="800000"/>
+                <a:headEnd/>
+                <a:tailEnd/>
+              </a14:hiddenLine>
+            </a:ext>
+          </a:extLst>
+        </p:spPr>
+        <p:txBody>
+          <a:bodyPr/>
+          <a:lstStyle/>
+          <a:p>
+            <a:r>
+              <a:rPr lang="ko-KR" altLang="en-US" smtClean="0">
+                <a:latin typeface="굴림" pitchFamily="50" charset="-127"/>
+                <a:ea typeface="굴림" pitchFamily="50" charset="-127"/>
+              </a:rPr>
+              <a:t>방 생성</a:t>
+            </a:r>
+            <a:r>
+              <a:rPr lang="en-US" altLang="ko-KR" smtClean="0">
+                <a:latin typeface="굴림" pitchFamily="50" charset="-127"/>
+                <a:ea typeface="굴림" pitchFamily="50" charset="-127"/>
+              </a:rPr>
+              <a:t>/</a:t>
+            </a:r>
+            <a:r>
+              <a:rPr lang="ko-KR" altLang="en-US" smtClean="0">
+                <a:latin typeface="굴림" pitchFamily="50" charset="-127"/>
+                <a:ea typeface="굴림" pitchFamily="50" charset="-127"/>
+              </a:rPr>
+              <a:t>방 입장</a:t>
+            </a:r>
+            <a:r>
+              <a:rPr lang="en-US" altLang="ko-KR" smtClean="0">
+                <a:latin typeface="굴림" pitchFamily="50" charset="-127"/>
+                <a:ea typeface="굴림" pitchFamily="50" charset="-127"/>
+              </a:rPr>
+              <a:t>/ </a:t>
+            </a:r>
+            <a:r>
+              <a:rPr lang="ko-KR" altLang="en-US" smtClean="0">
+                <a:latin typeface="굴림" pitchFamily="50" charset="-127"/>
+                <a:ea typeface="굴림" pitchFamily="50" charset="-127"/>
+              </a:rPr>
+              <a:t>방 조회</a:t>
+            </a:r>
+          </a:p>
+        </p:txBody>
+      </p:sp>
+      <p:sp>
+        <p:nvSpPr>
+          <p:cNvPr id="47108" name="슬라이드 번호 개체 틀 3"/>
+          <p:cNvSpPr>
+            <a:spLocks noGrp="1"/>
+          </p:cNvSpPr>
+          <p:nvPr>
+            <p:ph type="sldNum" sz="quarter" idx="5"/>
+          </p:nvPr>
+        </p:nvSpPr>
+        <p:spPr>
+          <a:noFill/>
+          <a:ln/>
+          <a:extLst>
+            <a:ext uri="{909E8E84-426E-40DD-AFC4-6F175D3DCCD1}">
+              <a14:hiddenFill xmlns:a14="http://schemas.microsoft.com/office/drawing/2010/main">
+                <a:solidFill>
+                  <a:srgbClr val="FFFFFF"/>
+                </a:solidFill>
+              </a14:hiddenFill>
+            </a:ext>
+            <a:ext uri="{91240B29-F687-4F45-9708-019B960494DF}">
+              <a14:hiddenLine xmlns:a14="http://schemas.microsoft.com/office/drawing/2010/main" w="9525">
+                <a:solidFill>
+                  <a:srgbClr val="000000"/>
+                </a:solidFill>
+                <a:miter lim="800000"/>
+                <a:headEnd/>
+                <a:tailEnd/>
+              </a14:hiddenLine>
+            </a:ext>
+          </a:extLst>
+        </p:spPr>
+        <p:txBody>
+          <a:bodyPr/>
+          <a:lstStyle>
+            <a:lvl1pPr>
+              <a:defRPr sz="6000" b="1">
+                <a:solidFill>
+                  <a:schemeClr val="tx1"/>
+                </a:solidFill>
+                <a:latin typeface="Lucida Console" pitchFamily="49" charset="0"/>
+                <a:ea typeface="궁서체" pitchFamily="17" charset="-127"/>
+              </a:defRPr>
+            </a:lvl1pPr>
+            <a:lvl2pPr marL="742950" indent="-285750">
+              <a:defRPr sz="6000" b="1">
+                <a:solidFill>
+                  <a:schemeClr val="tx1"/>
+                </a:solidFill>
+                <a:latin typeface="Lucida Console" pitchFamily="49" charset="0"/>
+                <a:ea typeface="궁서체" pitchFamily="17" charset="-127"/>
+              </a:defRPr>
+            </a:lvl2pPr>
+            <a:lvl3pPr marL="1143000" indent="-228600">
+              <a:defRPr sz="6000" b="1">
+                <a:solidFill>
+                  <a:schemeClr val="tx1"/>
+                </a:solidFill>
+                <a:latin typeface="Lucida Console" pitchFamily="49" charset="0"/>
+                <a:ea typeface="궁서체" pitchFamily="17" charset="-127"/>
+              </a:defRPr>
+            </a:lvl3pPr>
+            <a:lvl4pPr marL="1600200" indent="-228600">
+              <a:defRPr sz="6000" b="1">
+                <a:solidFill>
+                  <a:schemeClr val="tx1"/>
+                </a:solidFill>
+                <a:latin typeface="Lucida Console" pitchFamily="49" charset="0"/>
+                <a:ea typeface="궁서체" pitchFamily="17" charset="-127"/>
+              </a:defRPr>
+            </a:lvl4pPr>
+            <a:lvl5pPr marL="2057400" indent="-228600">
+              <a:defRPr sz="6000" b="1">
+                <a:solidFill>
+                  <a:schemeClr val="tx1"/>
+                </a:solidFill>
+                <a:latin typeface="Lucida Console" pitchFamily="49" charset="0"/>
+                <a:ea typeface="궁서체" pitchFamily="17" charset="-127"/>
+              </a:defRPr>
+            </a:lvl5pPr>
+            <a:lvl6pPr marL="2514600" indent="-228600" algn="ctr" eaLnBrk="0" fontAlgn="base" hangingPunct="0">
+              <a:spcBef>
+                <a:spcPct val="0"/>
+              </a:spcBef>
+              <a:spcAft>
+                <a:spcPct val="0"/>
+              </a:spcAft>
+              <a:defRPr sz="6000" b="1">
+                <a:solidFill>
+                  <a:schemeClr val="tx1"/>
+                </a:solidFill>
+                <a:latin typeface="Lucida Console" pitchFamily="49" charset="0"/>
+                <a:ea typeface="궁서체" pitchFamily="17" charset="-127"/>
+              </a:defRPr>
+            </a:lvl6pPr>
+            <a:lvl7pPr marL="2971800" indent="-228600" algn="ctr" eaLnBrk="0" fontAlgn="base" hangingPunct="0">
+              <a:spcBef>
+                <a:spcPct val="0"/>
+              </a:spcBef>
+              <a:spcAft>
+                <a:spcPct val="0"/>
+              </a:spcAft>
+              <a:defRPr sz="6000" b="1">
+                <a:solidFill>
+                  <a:schemeClr val="tx1"/>
+                </a:solidFill>
+                <a:latin typeface="Lucida Console" pitchFamily="49" charset="0"/>
+                <a:ea typeface="궁서체" pitchFamily="17" charset="-127"/>
+              </a:defRPr>
+            </a:lvl7pPr>
+            <a:lvl8pPr marL="3429000" indent="-228600" algn="ctr" eaLnBrk="0" fontAlgn="base" hangingPunct="0">
+              <a:spcBef>
+                <a:spcPct val="0"/>
+              </a:spcBef>
+              <a:spcAft>
+                <a:spcPct val="0"/>
+              </a:spcAft>
+              <a:defRPr sz="6000" b="1">
+                <a:solidFill>
+                  <a:schemeClr val="tx1"/>
+                </a:solidFill>
+                <a:latin typeface="Lucida Console" pitchFamily="49" charset="0"/>
+                <a:ea typeface="궁서체" pitchFamily="17" charset="-127"/>
+              </a:defRPr>
+            </a:lvl8pPr>
+            <a:lvl9pPr marL="3886200" indent="-228600" algn="ctr" eaLnBrk="0" fontAlgn="base" hangingPunct="0">
+              <a:spcBef>
+                <a:spcPct val="0"/>
+              </a:spcBef>
+              <a:spcAft>
+                <a:spcPct val="0"/>
+              </a:spcAft>
+              <a:defRPr sz="6000" b="1">
+                <a:solidFill>
+                  <a:schemeClr val="tx1"/>
+                </a:solidFill>
+                <a:latin typeface="Lucida Console" pitchFamily="49" charset="0"/>
+                <a:ea typeface="궁서체" pitchFamily="17" charset="-127"/>
+              </a:defRPr>
+            </a:lvl9pPr>
+          </a:lstStyle>
+          <a:p>
+            <a:fld id="{65B47774-F9D8-4898-9C07-31F53A7652F3}" type="slidenum">
+              <a:rPr lang="ko-KR" altLang="en-US" sz="1200" b="0" smtClean="0">
+                <a:latin typeface="Arial" charset="0"/>
+                <a:ea typeface="굴림" pitchFamily="50" charset="-127"/>
+              </a:rPr>
+              <a:pPr/>
+              <a:t>28</a:t>
             </a:fld>
             <a:endParaRPr lang="en-US" altLang="ko-KR" sz="1200" b="0" smtClean="0">
               <a:latin typeface="Arial" charset="0"/>
@@ -48176,7 +48449,7 @@
         <p:spPr bwMode="auto">
           <a:xfrm>
             <a:off x="381000" y="1258888"/>
-            <a:ext cx="8610600" cy="4278312"/>
+            <a:ext cx="8610600" cy="4524315"/>
           </a:xfrm>
           <a:prstGeom prst="rect">
             <a:avLst/>
@@ -48347,8 +48620,28 @@
               <a:t>★ </a:t>
             </a:r>
             <a:r>
-              <a:rPr lang="en-US" altLang="ko-KR" sz="1600" dirty="0" err="1"/>
+              <a:rPr lang="en-US" altLang="ko-KR" sz="1600" dirty="0" err="1" smtClean="0"/>
               <a:t>cs_roomInfo</a:t>
+            </a:r>
+            <a:r>
+              <a:rPr lang="en-US" altLang="ko-KR" sz="1600" dirty="0" smtClean="0"/>
+              <a:t> </a:t>
+            </a:r>
+            <a:r>
+              <a:rPr lang="ko-KR" altLang="en-US" sz="1600" dirty="0"/>
+              <a:t>★ </a:t>
+            </a:r>
+            <a:r>
+              <a:rPr lang="en-US" altLang="ko-KR" sz="1600" dirty="0"/>
+              <a:t>[</a:t>
+            </a:r>
+            <a:r>
+              <a:rPr lang="ko-KR" altLang="en-US" sz="1600" dirty="0"/>
+              <a:t>정보</a:t>
+            </a:r>
+            <a:r>
+              <a:rPr lang="en-US" altLang="ko-KR" sz="1600" dirty="0" smtClean="0"/>
+              <a:t>]</a:t>
             </a:r>
             <a:endParaRPr lang="en-US" altLang="ko-KR" sz="1600" dirty="0"/>
           </a:p>
@@ -48356,18 +48649,30 @@
             <a:pPr algn="l"/>
             <a:r>
               <a:rPr lang="en-US" altLang="ko-KR" sz="1600" dirty="0"/>
-              <a:t>2. server:  waiting </a:t>
+              <a:t>2. server: </a:t>
+            </a:r>
+            <a:r>
+              <a:rPr lang="en-US" altLang="ko-KR" sz="1600" dirty="0" smtClean="0"/>
+              <a:t>waiting </a:t>
             </a:r>
             <a:r>
               <a:rPr lang="ko-KR" altLang="en-US" sz="1600" dirty="0"/>
               <a:t>★ </a:t>
             </a:r>
             <a:r>
-              <a:rPr lang="en-US" altLang="ko-KR" sz="1600" dirty="0" err="1"/>
-              <a:t>sc_roomInfo</a:t>
-            </a:r>
-            <a:r>
               <a:rPr lang="en-US" altLang="ko-KR" sz="1600" dirty="0"/>
+              <a:t>SC_ROOMINFO </a:t>
+            </a:r>
+            <a:r>
+              <a:rPr lang="ko-KR" altLang="en-US" sz="1600" dirty="0" smtClean="0"/>
+              <a:t>★ </a:t>
+            </a:r>
+            <a:r>
+              <a:rPr lang="en-US" altLang="ko-KR" sz="1600" dirty="0" smtClean="0"/>
+              <a:t>USER_NUM</a:t>
+            </a:r>
+            <a:r>
+              <a:rPr lang="ko-KR" altLang="en-US" sz="1600" dirty="0" smtClean="0"/>
               <a:t> </a:t>
             </a:r>
             <a:r>
@@ -48375,18 +48680,50 @@
               <a:t>★ </a:t>
             </a:r>
             <a:r>
-              <a:rPr lang="en-US" altLang="ko-KR" sz="1600" dirty="0" err="1"/>
-              <a:t>userList</a:t>
-            </a:r>
-            <a:r>
               <a:rPr lang="en-US" altLang="ko-KR" sz="1600" dirty="0"/>
-              <a:t> </a:t>
+              <a:t>[</a:t>
+            </a:r>
+            <a:r>
+              <a:rPr lang="ko-KR" altLang="en-US" sz="1600" dirty="0"/>
+              <a:t>정보</a:t>
+            </a:r>
+            <a:r>
+              <a:rPr lang="en-US" altLang="ko-KR" sz="1600" dirty="0"/>
+              <a:t>]</a:t>
+            </a:r>
+            <a:endParaRPr lang="en-US" altLang="ko-KR" sz="1600" dirty="0" smtClean="0"/>
+          </a:p>
+          <a:p>
+            <a:pPr algn="l"/>
+            <a:r>
+              <a:rPr lang="en-US" altLang="ko-KR" sz="1600" dirty="0" smtClean="0"/>
+              <a:t>	waiting </a:t>
             </a:r>
             <a:r>
               <a:rPr lang="ko-KR" altLang="en-US" sz="1600" dirty="0"/>
               <a:t>★ </a:t>
             </a:r>
             <a:r>
+              <a:rPr lang="en-US" altLang="ko-KR" sz="1600" dirty="0" smtClean="0"/>
+              <a:t>SC_ROOMINFO </a:t>
+            </a:r>
+            <a:r>
+              <a:rPr lang="ko-KR" altLang="en-US" sz="1600" dirty="0"/>
+              <a:t>★ </a:t>
+            </a:r>
+            <a:r>
+              <a:rPr lang="en-US" altLang="ko-KR" sz="1600" dirty="0" smtClean="0"/>
+              <a:t>USER_LIST</a:t>
+            </a:r>
+            <a:r>
+              <a:rPr lang="en-US" altLang="ko-KR" sz="1600" dirty="0" smtClean="0"/>
+              <a:t> </a:t>
+            </a:r>
+            <a:r>
+              <a:rPr lang="ko-KR" altLang="en-US" sz="1600" dirty="0"/>
+              <a:t>★ </a:t>
+            </a:r>
+            <a:r>
               <a:rPr lang="en-US" altLang="ko-KR" sz="1600" dirty="0"/>
               <a:t>[</a:t>
             </a:r>
@@ -48395,9 +48732,17 @@
               <a:t>정보</a:t>
             </a:r>
             <a:r>
+              <a:rPr lang="en-US" altLang="ko-KR" sz="1600" dirty="0" smtClean="0"/>
+              <a:t>]</a:t>
+            </a:r>
+          </a:p>
+          <a:p>
+            <a:pPr algn="l"/>
+            <a:r>
               <a:rPr lang="en-US" altLang="ko-KR" sz="1600" dirty="0"/>
-              <a:t>]</a:t>
-            </a:r>
+              <a:t>	</a:t>
+            </a:r>
+            <a:endParaRPr lang="en-US" altLang="ko-KR" sz="1600" dirty="0"/>
           </a:p>
           <a:p>
             <a:pPr algn="l"/>
@@ -48533,79 +48878,16 @@
               <a:t>★ </a:t>
             </a:r>
             <a:r>
-              <a:rPr lang="en-US" altLang="ko-KR" sz="1600" dirty="0" err="1"/>
-              <a:t>sc_enterRoom</a:t>
-            </a:r>
-            <a:r>
-              <a:rPr lang="en-US" altLang="ko-KR" sz="1600" dirty="0"/>
-              <a:t> </a:t>
+              <a:rPr lang="en-US" altLang="ko-KR" sz="1600" dirty="0" smtClean="0"/>
+              <a:t>SC_ENTER_ROOM </a:t>
             </a:r>
             <a:r>
               <a:rPr lang="ko-KR" altLang="en-US" sz="1600" dirty="0"/>
               <a:t>★ </a:t>
             </a:r>
             <a:r>
-              <a:rPr lang="en-US" altLang="ko-KR" sz="1600" dirty="0"/>
-              <a:t>Success </a:t>
-            </a:r>
-            <a:r>
-              <a:rPr lang="ko-KR" altLang="en-US" sz="1600" dirty="0"/>
-              <a:t>★ </a:t>
-            </a:r>
-            <a:r>
-              <a:rPr lang="en-US" altLang="ko-KR" sz="1600" dirty="0" err="1"/>
-              <a:t>userList</a:t>
-            </a:r>
-            <a:r>
-              <a:rPr lang="en-US" altLang="ko-KR" sz="1600" dirty="0"/>
-              <a:t> </a:t>
-            </a:r>
-            <a:r>
-              <a:rPr lang="ko-KR" altLang="en-US" sz="1600" dirty="0"/>
-              <a:t>★ </a:t>
-            </a:r>
-            <a:r>
-              <a:rPr lang="en-US" altLang="ko-KR" sz="1600" dirty="0"/>
-              <a:t>[</a:t>
-            </a:r>
-            <a:r>
-              <a:rPr lang="ko-KR" altLang="en-US" sz="1600" dirty="0"/>
-              <a:t>정보</a:t>
-            </a:r>
-            <a:r>
-              <a:rPr lang="en-US" altLang="ko-KR" sz="1600" dirty="0"/>
-              <a:t>]</a:t>
-            </a:r>
-          </a:p>
-          <a:p>
-            <a:pPr algn="l"/>
-            <a:r>
-              <a:rPr lang="en-US" altLang="ko-KR" sz="1600" dirty="0"/>
-              <a:t>5-1. client: [</a:t>
-            </a:r>
-            <a:r>
-              <a:rPr lang="ko-KR" altLang="en-US" sz="1600" dirty="0"/>
-              <a:t>패널 변경하고 정보 추가</a:t>
-            </a:r>
-            <a:r>
-              <a:rPr lang="en-US" altLang="ko-KR" sz="1600" dirty="0"/>
-              <a:t>] chatting </a:t>
-            </a:r>
-            <a:r>
-              <a:rPr lang="ko-KR" altLang="en-US" sz="1600" dirty="0"/>
-              <a:t>★ </a:t>
-            </a:r>
-            <a:r>
-              <a:rPr lang="en-US" altLang="ko-KR" sz="1600" dirty="0" err="1"/>
-              <a:t>cs_newUser</a:t>
-            </a:r>
-            <a:r>
-              <a:rPr lang="en-US" altLang="ko-KR" sz="1600" dirty="0"/>
-              <a:t> :</a:t>
-            </a:r>
-            <a:r>
-              <a:rPr lang="ko-KR" altLang="en-US" sz="1600" dirty="0"/>
-              <a:t>내 이름 추가하라고 요청</a:t>
+              <a:rPr lang="en-US" altLang="ko-KR" sz="1600" dirty="0" smtClean="0"/>
+              <a:t>SUCCESS</a:t>
             </a:r>
             <a:endParaRPr lang="en-US" altLang="ko-KR" sz="1600" dirty="0"/>
           </a:p>
@@ -48613,25 +48895,68 @@
             <a:pPr algn="l"/>
             <a:r>
               <a:rPr lang="en-US" altLang="ko-KR" sz="1600" dirty="0"/>
-              <a:t>6-1. server: chatting </a:t>
+              <a:t>5</a:t>
+            </a:r>
+            <a:r>
+              <a:rPr lang="en-US" altLang="ko-KR" sz="1600" dirty="0" smtClean="0"/>
+              <a:t>-1. </a:t>
+            </a:r>
+            <a:r>
+              <a:rPr lang="en-US" altLang="ko-KR" sz="1600" dirty="0"/>
+              <a:t>server: </a:t>
+            </a:r>
+            <a:r>
+              <a:rPr lang="en-US" altLang="ko-KR" sz="1600" dirty="0" smtClean="0"/>
+              <a:t>chatting </a:t>
+            </a:r>
+            <a:r>
+              <a:rPr lang="ko-KR" altLang="en-US" sz="1600" dirty="0" smtClean="0"/>
+              <a:t>★ </a:t>
+            </a:r>
+            <a:r>
+              <a:rPr lang="en-US" altLang="ko-KR" sz="1600" dirty="0" smtClean="0"/>
+              <a:t>USER_LIST </a:t>
             </a:r>
             <a:r>
               <a:rPr lang="ko-KR" altLang="en-US" sz="1600" dirty="0"/>
               <a:t>★ </a:t>
             </a:r>
             <a:r>
-              <a:rPr lang="en-US" altLang="ko-KR" sz="1600" dirty="0" err="1"/>
-              <a:t>sc_newUser</a:t>
-            </a:r>
-            <a:r>
               <a:rPr lang="en-US" altLang="ko-KR" sz="1600" dirty="0"/>
-              <a:t> : </a:t>
+              <a:t>[</a:t>
             </a:r>
             <a:r>
               <a:rPr lang="ko-KR" altLang="en-US" sz="1600" dirty="0"/>
-              <a:t>내 이름 뿌리기</a:t>
-            </a:r>
-            <a:endParaRPr lang="en-US" altLang="ko-KR" sz="1600" dirty="0"/>
+              <a:t>정보</a:t>
+            </a:r>
+            <a:r>
+              <a:rPr lang="en-US" altLang="ko-KR" sz="1600" dirty="0" smtClean="0"/>
+              <a:t>]</a:t>
+            </a:r>
+            <a:endParaRPr lang="en-US" altLang="ko-KR" sz="1600" dirty="0" smtClean="0"/>
+          </a:p>
+          <a:p>
+            <a:pPr algn="l"/>
+            <a:r>
+              <a:rPr lang="en-US" altLang="ko-KR" sz="1600" dirty="0"/>
+              <a:t>6</a:t>
+            </a:r>
+            <a:r>
+              <a:rPr lang="en-US" altLang="ko-KR" sz="1600" dirty="0" smtClean="0"/>
+              <a:t>-1</a:t>
+            </a:r>
+            <a:r>
+              <a:rPr lang="en-US" altLang="ko-KR" sz="1600" dirty="0"/>
+              <a:t>. client: [</a:t>
+            </a:r>
+            <a:r>
+              <a:rPr lang="ko-KR" altLang="en-US" sz="1600" dirty="0"/>
+              <a:t>패널 변경하고 정보 추가</a:t>
+            </a:r>
+            <a:r>
+              <a:rPr lang="en-US" altLang="ko-KR" sz="1600" dirty="0" smtClean="0"/>
+              <a:t>]</a:t>
+            </a:r>
           </a:p>
           <a:p>
             <a:pPr algn="l"/>
@@ -48648,21 +48973,18 @@
               <a:t>★ </a:t>
             </a:r>
             <a:r>
-              <a:rPr lang="en-US" altLang="ko-KR" sz="1600" dirty="0" err="1"/>
-              <a:t>sc_enterRoom</a:t>
-            </a:r>
-            <a:r>
               <a:rPr lang="en-US" altLang="ko-KR" sz="1600" dirty="0"/>
-              <a:t> </a:t>
-            </a:r>
-            <a:r>
-              <a:rPr lang="ko-KR" altLang="en-US" sz="1600" dirty="0"/>
+              <a:t>SC_ENTER_ROOM </a:t>
+            </a:r>
+            <a:r>
+              <a:rPr lang="ko-KR" altLang="en-US" sz="1600" dirty="0" smtClean="0"/>
               <a:t>★ </a:t>
             </a:r>
             <a:r>
-              <a:rPr lang="en-US" altLang="ko-KR" sz="1600" dirty="0"/>
-              <a:t>Fail</a:t>
-            </a:r>
+              <a:rPr lang="en-US" altLang="ko-KR" sz="1600" dirty="0" smtClean="0"/>
+              <a:t>FAIL</a:t>
+            </a:r>
+            <a:endParaRPr lang="en-US" altLang="ko-KR" sz="1600" dirty="0"/>
           </a:p>
           <a:p>
             <a:pPr algn="l"/>
@@ -48749,8 +49071,8 @@
         </p:nvSpPr>
         <p:spPr>
           <a:xfrm>
-            <a:off x="609600" y="1258888"/>
-            <a:ext cx="7010400" cy="2062162"/>
+            <a:off x="533400" y="1258887"/>
+            <a:ext cx="8305800" cy="5509200"/>
           </a:xfrm>
           <a:prstGeom prst="rect">
             <a:avLst/>
@@ -48758,7 +49080,7 @@
           <a:noFill/>
         </p:spPr>
         <p:txBody>
-          <a:bodyPr>
+          <a:bodyPr wrap="square">
             <a:spAutoFit/>
           </a:bodyPr>
           <a:lstStyle/>
@@ -48847,15 +49169,11 @@
               <a:t>★ </a:t>
             </a:r>
             <a:r>
-              <a:rPr lang="en-US" altLang="ko-KR" sz="1600" dirty="0" err="1"/>
-              <a:t>sc_newRoom</a:t>
-            </a:r>
-            <a:r>
-              <a:rPr lang="en-US" altLang="ko-KR" sz="1600" dirty="0"/>
-              <a:t> </a:t>
-            </a:r>
-            <a:r>
-              <a:rPr lang="ko-KR" altLang="en-US" sz="1600" dirty="0"/>
+              <a:rPr lang="en-US" altLang="ko-KR" sz="1600" dirty="0" smtClean="0"/>
+              <a:t>SC_NEW_ROOM </a:t>
+            </a:r>
+            <a:r>
+              <a:rPr lang="ko-KR" altLang="en-US" sz="1600" dirty="0" smtClean="0"/>
               <a:t>★ </a:t>
             </a:r>
             <a:r>
@@ -48888,12 +49206,395 @@
               <a:buAutoNum type="arabicPeriod"/>
               <a:defRPr/>
             </a:pPr>
+            <a:r>
+              <a:rPr lang="en-US" altLang="ko-KR" sz="1600" dirty="0" smtClean="0"/>
+              <a:t>Server : Waiting </a:t>
+            </a:r>
+            <a:r>
+              <a:rPr lang="ko-KR" altLang="en-US" sz="1600" dirty="0" smtClean="0"/>
+              <a:t>★ </a:t>
+            </a:r>
+            <a:r>
+              <a:rPr lang="en-US" altLang="ko-KR" sz="1600" dirty="0" smtClean="0"/>
+              <a:t>SC_NEW_ROOM_TO_WAIT </a:t>
+            </a:r>
+            <a:r>
+              <a:rPr lang="ko-KR" altLang="en-US" sz="1600" dirty="0" smtClean="0"/>
+              <a:t>★ 방 정보</a:t>
+            </a:r>
+            <a:endParaRPr lang="en-US" altLang="ko-KR" sz="1600" dirty="0" smtClean="0"/>
+          </a:p>
+          <a:p>
+            <a:pPr algn="l">
+              <a:defRPr/>
+            </a:pPr>
+            <a:endParaRPr lang="en-US" altLang="ko-KR" sz="1600" dirty="0" smtClean="0"/>
+          </a:p>
+          <a:p>
+            <a:pPr algn="l">
+              <a:defRPr/>
+            </a:pPr>
+            <a:r>
+              <a:rPr lang="en-US" altLang="ko-KR" sz="1600" dirty="0"/>
+              <a:t>Ex3) </a:t>
+            </a:r>
+            <a:r>
+              <a:rPr lang="ko-KR" altLang="en-US" sz="1600" dirty="0"/>
+              <a:t>방 </a:t>
+            </a:r>
+            <a:r>
+              <a:rPr lang="ko-KR" altLang="en-US" sz="1600" dirty="0" smtClean="0"/>
+              <a:t>삭제되었을 때</a:t>
+            </a:r>
+            <a:endParaRPr lang="en-US" altLang="ko-KR" sz="1600" dirty="0" smtClean="0"/>
+          </a:p>
+          <a:p>
+            <a:pPr marL="342900" indent="-342900" algn="l">
+              <a:buAutoNum type="arabicPeriod"/>
+              <a:defRPr/>
+            </a:pPr>
+            <a:r>
+              <a:rPr lang="en-US" altLang="ko-KR" sz="1600" dirty="0" smtClean="0"/>
+              <a:t>Server : Waiting </a:t>
+            </a:r>
+            <a:r>
+              <a:rPr lang="ko-KR" altLang="en-US" sz="1600" dirty="0" smtClean="0"/>
+              <a:t>★ </a:t>
+            </a:r>
+            <a:r>
+              <a:rPr lang="en-US" altLang="ko-KR" sz="1600" dirty="0" smtClean="0"/>
+              <a:t>SC_DELETE_ROOM </a:t>
+            </a:r>
+            <a:r>
+              <a:rPr lang="ko-KR" altLang="en-US" sz="1600" dirty="0" smtClean="0"/>
+              <a:t>★ </a:t>
+            </a:r>
+            <a:r>
+              <a:rPr lang="ko-KR" altLang="en-US" sz="1600" dirty="0" err="1" smtClean="0"/>
+              <a:t>방번호</a:t>
+            </a:r>
+            <a:r>
+              <a:rPr lang="ko-KR" altLang="en-US" sz="1600" dirty="0" smtClean="0"/>
+              <a:t> </a:t>
+            </a:r>
+            <a:r>
+              <a:rPr lang="en-US" altLang="ko-KR" sz="1600" dirty="0" smtClean="0"/>
+              <a:t>(</a:t>
+            </a:r>
+            <a:r>
+              <a:rPr lang="ko-KR" altLang="en-US" sz="1600" dirty="0" smtClean="0"/>
+              <a:t>대기실 모두에게</a:t>
+            </a:r>
+            <a:r>
+              <a:rPr lang="en-US" altLang="ko-KR" sz="1600" dirty="0"/>
+              <a:t>)</a:t>
+            </a:r>
+            <a:endParaRPr lang="en-US" altLang="ko-KR" sz="1600" dirty="0" smtClean="0"/>
+          </a:p>
+          <a:p>
+            <a:pPr marL="342900" indent="-342900" algn="l">
+              <a:buAutoNum type="arabicPeriod"/>
+              <a:defRPr/>
+            </a:pPr>
+            <a:endParaRPr lang="en-US" altLang="ko-KR" sz="1600" dirty="0" smtClean="0"/>
+          </a:p>
+          <a:p>
+            <a:pPr algn="l">
+              <a:defRPr/>
+            </a:pPr>
+            <a:r>
+              <a:rPr lang="en-US" altLang="ko-KR" sz="1600" dirty="0" smtClean="0"/>
+              <a:t>Ex4) </a:t>
+            </a:r>
+            <a:r>
+              <a:rPr lang="ko-KR" altLang="en-US" sz="1600" dirty="0" smtClean="0"/>
+              <a:t>초대 메시지</a:t>
+            </a:r>
+            <a:r>
+              <a:rPr lang="en-US" altLang="ko-KR" sz="1600" dirty="0" smtClean="0"/>
+              <a:t>!!</a:t>
+            </a:r>
+          </a:p>
+          <a:p>
+            <a:pPr marL="342900" indent="-342900" algn="l">
+              <a:buAutoNum type="arabicPeriod"/>
+              <a:defRPr/>
+            </a:pPr>
+            <a:r>
+              <a:rPr lang="en-US" altLang="ko-KR" sz="1600" dirty="0" smtClean="0"/>
+              <a:t>Server : WAITING </a:t>
+            </a:r>
+            <a:r>
+              <a:rPr lang="ko-KR" altLang="en-US" sz="1600" dirty="0" smtClean="0"/>
+              <a:t>★ </a:t>
+            </a:r>
+            <a:r>
+              <a:rPr lang="en-US" altLang="ko-KR" sz="1600" dirty="0" smtClean="0"/>
+              <a:t>INVTIE </a:t>
+            </a:r>
+            <a:r>
+              <a:rPr lang="ko-KR" altLang="en-US" sz="1600" dirty="0" smtClean="0"/>
+              <a:t>★ 방 정보 보내주기</a:t>
+            </a:r>
+            <a:endParaRPr lang="en-US" altLang="ko-KR" sz="1600" dirty="0" smtClean="0"/>
+          </a:p>
+          <a:p>
+            <a:pPr marL="342900" indent="-342900" algn="l">
+              <a:buAutoNum type="arabicPeriod"/>
+              <a:defRPr/>
+            </a:pPr>
+            <a:r>
+              <a:rPr lang="en-US" altLang="ko-KR" sz="1600" dirty="0" smtClean="0"/>
+              <a:t>Client : </a:t>
+            </a:r>
+            <a:r>
+              <a:rPr lang="ko-KR" altLang="en-US" sz="1600" dirty="0" smtClean="0"/>
+              <a:t>초대 화면 띄워주고 그 안에 받은 방 정보 넣기</a:t>
+            </a:r>
+            <a:endParaRPr lang="en-US" altLang="ko-KR" sz="1600" dirty="0" smtClean="0"/>
+          </a:p>
+          <a:p>
+            <a:pPr marL="342900" indent="-342900" algn="l">
+              <a:buAutoNum type="arabicPeriod"/>
+              <a:defRPr/>
+            </a:pPr>
+            <a:r>
+              <a:rPr lang="en-US" altLang="ko-KR" sz="1600" dirty="0" smtClean="0"/>
+              <a:t>Client : (</a:t>
+            </a:r>
+            <a:r>
+              <a:rPr lang="ko-KR" altLang="en-US" sz="1600" dirty="0" smtClean="0"/>
+              <a:t>초대 승낙</a:t>
+            </a:r>
+            <a:r>
+              <a:rPr lang="en-US" altLang="ko-KR" sz="1600" dirty="0" smtClean="0"/>
+              <a:t>) WAITING </a:t>
+            </a:r>
+            <a:r>
+              <a:rPr lang="ko-KR" altLang="en-US" sz="1600" dirty="0" smtClean="0"/>
+              <a:t>★ </a:t>
+            </a:r>
+            <a:r>
+              <a:rPr lang="en-US" altLang="ko-KR" sz="1600" dirty="0" smtClean="0"/>
+              <a:t>INVITE </a:t>
+            </a:r>
+            <a:r>
+              <a:rPr lang="ko-KR" altLang="en-US" sz="1600" dirty="0" smtClean="0"/>
+              <a:t>★ </a:t>
+            </a:r>
+            <a:r>
+              <a:rPr lang="en-US" altLang="ko-KR" sz="1600" dirty="0" smtClean="0"/>
+              <a:t>SUCCESS</a:t>
+            </a:r>
+          </a:p>
+          <a:p>
+            <a:pPr marL="342900" indent="-342900" algn="l">
+              <a:buAutoNum type="arabicPeriod"/>
+              <a:defRPr/>
+            </a:pPr>
+            <a:r>
+              <a:rPr lang="en-US" altLang="ko-KR" sz="1600" dirty="0" smtClean="0"/>
+              <a:t>Client : (</a:t>
+            </a:r>
+            <a:r>
+              <a:rPr lang="ko-KR" altLang="en-US" sz="1600" dirty="0" smtClean="0"/>
+              <a:t>초대 거절</a:t>
+            </a:r>
+            <a:r>
+              <a:rPr lang="en-US" altLang="ko-KR" sz="1600" dirty="0" smtClean="0"/>
+              <a:t>) WAITING </a:t>
+            </a:r>
+            <a:r>
+              <a:rPr lang="ko-KR" altLang="en-US" sz="1600" dirty="0" smtClean="0"/>
+              <a:t>★ </a:t>
+            </a:r>
+            <a:r>
+              <a:rPr lang="en-US" altLang="ko-KR" sz="1600" dirty="0" smtClean="0"/>
+              <a:t>INVITE </a:t>
+            </a:r>
+            <a:r>
+              <a:rPr lang="ko-KR" altLang="en-US" sz="1600" dirty="0" smtClean="0"/>
+              <a:t>★ </a:t>
+            </a:r>
+            <a:r>
+              <a:rPr lang="en-US" altLang="ko-KR" sz="1600" dirty="0" smtClean="0"/>
+              <a:t>FAIL</a:t>
+            </a:r>
+          </a:p>
+          <a:p>
+            <a:pPr algn="l">
+              <a:defRPr/>
+            </a:pPr>
+            <a:r>
+              <a:rPr lang="en-US" altLang="ko-KR" sz="1600" dirty="0" smtClean="0"/>
+              <a:t>5. </a:t>
+            </a:r>
+            <a:r>
+              <a:rPr lang="en-US" altLang="ko-KR" sz="1600" dirty="0" smtClean="0"/>
+              <a:t>Server : (</a:t>
+            </a:r>
+            <a:r>
+              <a:rPr lang="ko-KR" altLang="en-US" sz="1600" dirty="0" smtClean="0"/>
+              <a:t>초대 </a:t>
+            </a:r>
+            <a:r>
+              <a:rPr lang="ko-KR" altLang="en-US" sz="1600" dirty="0" err="1" smtClean="0"/>
+              <a:t>승낙시</a:t>
+            </a:r>
+            <a:r>
+              <a:rPr lang="en-US" altLang="ko-KR" sz="1600" dirty="0" smtClean="0"/>
+              <a:t>) WAITING </a:t>
+            </a:r>
+            <a:r>
+              <a:rPr lang="ko-KR" altLang="en-US" sz="1600" dirty="0" smtClean="0"/>
+              <a:t>★ </a:t>
+            </a:r>
+            <a:r>
+              <a:rPr lang="en-US" altLang="ko-KR" sz="1600" dirty="0"/>
+              <a:t>SC_ENTER_ROOM </a:t>
+            </a:r>
+            <a:r>
+              <a:rPr lang="ko-KR" altLang="en-US" sz="1600" dirty="0"/>
+              <a:t>★ </a:t>
+            </a:r>
+            <a:r>
+              <a:rPr lang="en-US" altLang="ko-KR" sz="1600" dirty="0" smtClean="0"/>
+              <a:t>Success (</a:t>
+            </a:r>
+            <a:r>
+              <a:rPr lang="ko-KR" altLang="en-US" sz="1600" dirty="0" smtClean="0"/>
+              <a:t>초대 받은 사람에게</a:t>
+            </a:r>
+            <a:r>
+              <a:rPr lang="en-US" altLang="ko-KR" sz="1600" dirty="0" smtClean="0"/>
+              <a:t>)</a:t>
+            </a:r>
+          </a:p>
+          <a:p>
+            <a:pPr algn="l">
+              <a:defRPr/>
+            </a:pPr>
+            <a:r>
+              <a:rPr lang="en-US" altLang="ko-KR" sz="1600" dirty="0" smtClean="0"/>
+              <a:t>		chatting </a:t>
+            </a:r>
+            <a:r>
+              <a:rPr lang="ko-KR" altLang="en-US" sz="1600" dirty="0"/>
+              <a:t>★ </a:t>
+            </a:r>
+            <a:r>
+              <a:rPr lang="en-US" altLang="ko-KR" sz="1600" dirty="0"/>
+              <a:t>USER_LIST </a:t>
+            </a:r>
+            <a:r>
+              <a:rPr lang="ko-KR" altLang="en-US" sz="1600" dirty="0"/>
+              <a:t>★ </a:t>
+            </a:r>
+            <a:r>
+              <a:rPr lang="en-US" altLang="ko-KR" sz="1600" dirty="0"/>
+              <a:t>[</a:t>
+            </a:r>
+            <a:r>
+              <a:rPr lang="ko-KR" altLang="en-US" sz="1600" dirty="0"/>
+              <a:t>정보</a:t>
+            </a:r>
+            <a:r>
+              <a:rPr lang="en-US" altLang="ko-KR" sz="1600" dirty="0"/>
+              <a:t>]</a:t>
+            </a:r>
+          </a:p>
+          <a:p>
+            <a:pPr algn="l">
+              <a:defRPr/>
+            </a:pPr>
+            <a:endParaRPr lang="en-US" altLang="ko-KR" sz="1600" dirty="0" smtClean="0"/>
+          </a:p>
+          <a:p>
+            <a:pPr algn="l">
+              <a:defRPr/>
+            </a:pPr>
+            <a:r>
+              <a:rPr lang="en-US" altLang="ko-KR" sz="1600" dirty="0"/>
+              <a:t>	</a:t>
+            </a:r>
+            <a:r>
+              <a:rPr lang="en-US" altLang="ko-KR" sz="1600" dirty="0" smtClean="0"/>
+              <a:t>(</a:t>
+            </a:r>
+            <a:r>
+              <a:rPr lang="ko-KR" altLang="en-US" sz="1600" dirty="0" smtClean="0"/>
+              <a:t>대화방 모두에게</a:t>
+            </a:r>
+            <a:r>
+              <a:rPr lang="en-US" altLang="ko-KR" sz="1600" dirty="0" smtClean="0"/>
+              <a:t>)CHATTING </a:t>
+            </a:r>
+            <a:r>
+              <a:rPr lang="ko-KR" altLang="en-US" sz="1600" dirty="0"/>
+              <a:t>★ </a:t>
+            </a:r>
+            <a:r>
+              <a:rPr lang="en-US" altLang="ko-KR" sz="1600" dirty="0"/>
+              <a:t>INVITE </a:t>
+            </a:r>
+            <a:r>
+              <a:rPr lang="ko-KR" altLang="en-US" sz="1600" dirty="0" smtClean="0"/>
+              <a:t>★ </a:t>
+            </a:r>
+            <a:r>
+              <a:rPr lang="en-US" altLang="ko-KR" sz="1600" dirty="0" smtClean="0"/>
+              <a:t>SUCCESS</a:t>
+            </a:r>
             <a:endParaRPr lang="en-US" altLang="ko-KR" sz="1600" dirty="0"/>
           </a:p>
           <a:p>
             <a:pPr algn="l">
               <a:defRPr/>
             </a:pPr>
+            <a:r>
+              <a:rPr lang="en-US" altLang="ko-KR" sz="1600" dirty="0" smtClean="0"/>
+              <a:t>6. Server : (</a:t>
+            </a:r>
+            <a:r>
+              <a:rPr lang="ko-KR" altLang="en-US" sz="1600" dirty="0" smtClean="0"/>
+              <a:t>초대 </a:t>
+            </a:r>
+            <a:r>
+              <a:rPr lang="ko-KR" altLang="en-US" sz="1600" dirty="0" err="1" smtClean="0"/>
+              <a:t>거절시</a:t>
+            </a:r>
+            <a:r>
+              <a:rPr lang="en-US" altLang="ko-KR" sz="1600" dirty="0" smtClean="0"/>
+              <a:t>) (</a:t>
+            </a:r>
+            <a:r>
+              <a:rPr lang="ko-KR" altLang="en-US" sz="1600" dirty="0" smtClean="0"/>
+              <a:t>초대한 사람에게</a:t>
+            </a:r>
+            <a:r>
+              <a:rPr lang="en-US" altLang="ko-KR" sz="1600" dirty="0" smtClean="0"/>
+              <a:t>)</a:t>
+            </a:r>
+            <a:r>
+              <a:rPr lang="en-US" altLang="ko-KR" sz="1600" dirty="0" smtClean="0"/>
+              <a:t>CHATTING </a:t>
+            </a:r>
+            <a:r>
+              <a:rPr lang="ko-KR" altLang="en-US" sz="1600" dirty="0" smtClean="0"/>
+              <a:t>★ </a:t>
+            </a:r>
+            <a:r>
+              <a:rPr lang="en-US" altLang="ko-KR" sz="1600" dirty="0" smtClean="0"/>
+              <a:t>INVITE </a:t>
+            </a:r>
+            <a:r>
+              <a:rPr lang="ko-KR" altLang="en-US" sz="1600" dirty="0" smtClean="0"/>
+              <a:t>★ </a:t>
+            </a:r>
+            <a:r>
+              <a:rPr lang="en-US" altLang="ko-KR" sz="1600" dirty="0" smtClean="0"/>
+              <a:t>FAIL</a:t>
+            </a:r>
             <a:endParaRPr lang="en-US" altLang="ko-KR" sz="1600" dirty="0"/>
           </a:p>
           <a:p>
@@ -48970,8 +49671,547 @@
         </p:nvSpPr>
         <p:spPr bwMode="auto">
           <a:xfrm>
-            <a:off x="609600" y="1258888"/>
-            <a:ext cx="7010400" cy="1816100"/>
+            <a:off x="671944" y="914400"/>
+            <a:ext cx="8395855" cy="4031873"/>
+          </a:xfrm>
+          <a:prstGeom prst="rect">
+            <a:avLst/>
+          </a:prstGeom>
+          <a:noFill/>
+          <a:ln>
+            <a:noFill/>
+          </a:ln>
+          <a:extLst>
+            <a:ext uri="{909E8E84-426E-40DD-AFC4-6F175D3DCCD1}">
+              <a14:hiddenFill xmlns:a14="http://schemas.microsoft.com/office/drawing/2010/main">
+                <a:solidFill>
+                  <a:srgbClr val="FFFFFF"/>
+                </a:solidFill>
+              </a14:hiddenFill>
+            </a:ext>
+            <a:ext uri="{91240B29-F687-4F45-9708-019B960494DF}">
+              <a14:hiddenLine xmlns:a14="http://schemas.microsoft.com/office/drawing/2010/main" w="9525">
+                <a:solidFill>
+                  <a:srgbClr val="000000"/>
+                </a:solidFill>
+                <a:miter lim="800000"/>
+                <a:headEnd/>
+                <a:tailEnd/>
+              </a14:hiddenLine>
+            </a:ext>
+          </a:extLst>
+        </p:spPr>
+        <p:txBody>
+          <a:bodyPr wrap="square">
+            <a:spAutoFit/>
+          </a:bodyPr>
+          <a:lstStyle>
+            <a:lvl1pPr>
+              <a:defRPr sz="6000" b="1">
+                <a:solidFill>
+                  <a:schemeClr val="tx1"/>
+                </a:solidFill>
+                <a:latin typeface="Lucida Console" pitchFamily="49" charset="0"/>
+                <a:ea typeface="궁서체" pitchFamily="17" charset="-127"/>
+              </a:defRPr>
+            </a:lvl1pPr>
+            <a:lvl2pPr marL="742950" indent="-285750">
+              <a:defRPr sz="6000" b="1">
+                <a:solidFill>
+                  <a:schemeClr val="tx1"/>
+                </a:solidFill>
+                <a:latin typeface="Lucida Console" pitchFamily="49" charset="0"/>
+                <a:ea typeface="궁서체" pitchFamily="17" charset="-127"/>
+              </a:defRPr>
+            </a:lvl2pPr>
+            <a:lvl3pPr marL="1143000" indent="-228600">
+              <a:defRPr sz="6000" b="1">
+                <a:solidFill>
+                  <a:schemeClr val="tx1"/>
+                </a:solidFill>
+                <a:latin typeface="Lucida Console" pitchFamily="49" charset="0"/>
+                <a:ea typeface="궁서체" pitchFamily="17" charset="-127"/>
+              </a:defRPr>
+            </a:lvl3pPr>
+            <a:lvl4pPr marL="1600200" indent="-228600">
+              <a:defRPr sz="6000" b="1">
+                <a:solidFill>
+                  <a:schemeClr val="tx1"/>
+                </a:solidFill>
+                <a:latin typeface="Lucida Console" pitchFamily="49" charset="0"/>
+                <a:ea typeface="궁서체" pitchFamily="17" charset="-127"/>
+              </a:defRPr>
+            </a:lvl4pPr>
+            <a:lvl5pPr marL="2057400" indent="-228600">
+              <a:defRPr sz="6000" b="1">
+                <a:solidFill>
+                  <a:schemeClr val="tx1"/>
+                </a:solidFill>
+                <a:latin typeface="Lucida Console" pitchFamily="49" charset="0"/>
+                <a:ea typeface="궁서체" pitchFamily="17" charset="-127"/>
+              </a:defRPr>
+            </a:lvl5pPr>
+            <a:lvl6pPr marL="2514600" indent="-228600" algn="ctr" eaLnBrk="0" fontAlgn="base" hangingPunct="0">
+              <a:spcBef>
+                <a:spcPct val="0"/>
+              </a:spcBef>
+              <a:spcAft>
+                <a:spcPct val="0"/>
+              </a:spcAft>
+              <a:defRPr sz="6000" b="1">
+                <a:solidFill>
+                  <a:schemeClr val="tx1"/>
+                </a:solidFill>
+                <a:latin typeface="Lucida Console" pitchFamily="49" charset="0"/>
+                <a:ea typeface="궁서체" pitchFamily="17" charset="-127"/>
+              </a:defRPr>
+            </a:lvl6pPr>
+            <a:lvl7pPr marL="2971800" indent="-228600" algn="ctr" eaLnBrk="0" fontAlgn="base" hangingPunct="0">
+              <a:spcBef>
+                <a:spcPct val="0"/>
+              </a:spcBef>
+              <a:spcAft>
+                <a:spcPct val="0"/>
+              </a:spcAft>
+              <a:defRPr sz="6000" b="1">
+                <a:solidFill>
+                  <a:schemeClr val="tx1"/>
+                </a:solidFill>
+                <a:latin typeface="Lucida Console" pitchFamily="49" charset="0"/>
+                <a:ea typeface="궁서체" pitchFamily="17" charset="-127"/>
+              </a:defRPr>
+            </a:lvl7pPr>
+            <a:lvl8pPr marL="3429000" indent="-228600" algn="ctr" eaLnBrk="0" fontAlgn="base" hangingPunct="0">
+              <a:spcBef>
+                <a:spcPct val="0"/>
+              </a:spcBef>
+              <a:spcAft>
+                <a:spcPct val="0"/>
+              </a:spcAft>
+              <a:defRPr sz="6000" b="1">
+                <a:solidFill>
+                  <a:schemeClr val="tx1"/>
+                </a:solidFill>
+                <a:latin typeface="Lucida Console" pitchFamily="49" charset="0"/>
+                <a:ea typeface="궁서체" pitchFamily="17" charset="-127"/>
+              </a:defRPr>
+            </a:lvl8pPr>
+            <a:lvl9pPr marL="3886200" indent="-228600" algn="ctr" eaLnBrk="0" fontAlgn="base" hangingPunct="0">
+              <a:spcBef>
+                <a:spcPct val="0"/>
+              </a:spcBef>
+              <a:spcAft>
+                <a:spcPct val="0"/>
+              </a:spcAft>
+              <a:defRPr sz="6000" b="1">
+                <a:solidFill>
+                  <a:schemeClr val="tx1"/>
+                </a:solidFill>
+                <a:latin typeface="Lucida Console" pitchFamily="49" charset="0"/>
+                <a:ea typeface="궁서체" pitchFamily="17" charset="-127"/>
+              </a:defRPr>
+            </a:lvl9pPr>
+          </a:lstStyle>
+          <a:p>
+            <a:pPr algn="l"/>
+            <a:r>
+              <a:rPr lang="en-US" altLang="ko-KR" sz="1600" dirty="0"/>
+              <a:t>Ex) </a:t>
+            </a:r>
+            <a:r>
+              <a:rPr lang="ko-KR" altLang="en-US" sz="1600" dirty="0"/>
+              <a:t>새 </a:t>
+            </a:r>
+            <a:r>
+              <a:rPr lang="en-US" altLang="ko-KR" sz="1600" dirty="0"/>
+              <a:t>user </a:t>
+            </a:r>
+            <a:r>
+              <a:rPr lang="ko-KR" altLang="en-US" sz="1600" dirty="0" smtClean="0"/>
+              <a:t>입장</a:t>
+            </a:r>
+            <a:endParaRPr lang="en-US" altLang="ko-KR" sz="1600" dirty="0" smtClean="0"/>
+          </a:p>
+          <a:p>
+            <a:pPr marL="342900" indent="-342900" algn="l">
+              <a:buAutoNum type="arabicPeriod"/>
+            </a:pPr>
+            <a:r>
+              <a:rPr lang="en-US" altLang="ko-KR" sz="1600" dirty="0" smtClean="0"/>
+              <a:t>Server : Chatting </a:t>
+            </a:r>
+            <a:r>
+              <a:rPr lang="ko-KR" altLang="en-US" sz="1600" dirty="0" smtClean="0"/>
+              <a:t>★ </a:t>
+            </a:r>
+            <a:r>
+              <a:rPr lang="en-US" altLang="ko-KR" sz="1600" dirty="0" smtClean="0"/>
+              <a:t>SC_NEW_USER </a:t>
+            </a:r>
+            <a:r>
+              <a:rPr lang="ko-KR" altLang="en-US" sz="1600" dirty="0" smtClean="0"/>
+              <a:t>★ </a:t>
+            </a:r>
+            <a:r>
+              <a:rPr lang="en-US" altLang="ko-KR" sz="1600" dirty="0" err="1" smtClean="0"/>
+              <a:t>nickName</a:t>
+            </a:r>
+            <a:r>
+              <a:rPr lang="en-US" altLang="ko-KR" sz="1600" dirty="0" smtClean="0"/>
+              <a:t> (</a:t>
+            </a:r>
+            <a:r>
+              <a:rPr lang="ko-KR" altLang="en-US" sz="1600" dirty="0" smtClean="0"/>
+              <a:t>모두에게</a:t>
+            </a:r>
+            <a:r>
+              <a:rPr lang="en-US" altLang="ko-KR" sz="1600" dirty="0" smtClean="0"/>
+              <a:t>)</a:t>
+            </a:r>
+          </a:p>
+          <a:p>
+            <a:pPr marL="342900" indent="-342900" algn="l">
+              <a:buAutoNum type="arabicPeriod"/>
+            </a:pPr>
+            <a:r>
+              <a:rPr lang="en-US" altLang="ko-KR" sz="1600" dirty="0" smtClean="0"/>
+              <a:t>Client : </a:t>
+            </a:r>
+            <a:r>
+              <a:rPr lang="ko-KR" altLang="en-US" sz="1600" dirty="0" smtClean="0"/>
+              <a:t>받은 닉네임 자신들 리스트에 추가하기</a:t>
+            </a:r>
+            <a:endParaRPr lang="en-US" altLang="ko-KR" sz="1600" dirty="0" smtClean="0"/>
+          </a:p>
+          <a:p>
+            <a:pPr marL="342900" indent="-342900" algn="l">
+              <a:buAutoNum type="arabicPeriod"/>
+            </a:pPr>
+            <a:endParaRPr lang="en-US" altLang="ko-KR" sz="1600" dirty="0" smtClean="0"/>
+          </a:p>
+          <a:p>
+            <a:pPr algn="l"/>
+            <a:r>
+              <a:rPr lang="en-US" altLang="ko-KR" sz="1600" dirty="0" smtClean="0"/>
+              <a:t>EX2</a:t>
+            </a:r>
+            <a:r>
+              <a:rPr lang="en-US" altLang="ko-KR" sz="1600" dirty="0"/>
+              <a:t>) </a:t>
+            </a:r>
+            <a:r>
+              <a:rPr lang="ko-KR" altLang="en-US" sz="1600" dirty="0"/>
+              <a:t>어느 </a:t>
+            </a:r>
+            <a:r>
+              <a:rPr lang="en-US" altLang="ko-KR" sz="1600" dirty="0"/>
+              <a:t>user </a:t>
+            </a:r>
+            <a:r>
+              <a:rPr lang="ko-KR" altLang="en-US" sz="1600" dirty="0" smtClean="0"/>
+              <a:t>종료</a:t>
+            </a:r>
+            <a:endParaRPr lang="en-US" altLang="ko-KR" sz="1600" dirty="0" smtClean="0"/>
+          </a:p>
+          <a:p>
+            <a:pPr marL="342900" indent="-342900" algn="l">
+              <a:buAutoNum type="arabicPeriod"/>
+            </a:pPr>
+            <a:r>
+              <a:rPr lang="en-US" altLang="ko-KR" sz="1600" dirty="0" smtClean="0"/>
+              <a:t>Client : Chatting </a:t>
+            </a:r>
+            <a:r>
+              <a:rPr lang="ko-KR" altLang="en-US" sz="1600" dirty="0" smtClean="0"/>
+              <a:t>★ </a:t>
+            </a:r>
+            <a:r>
+              <a:rPr lang="en-US" altLang="ko-KR" sz="1600" dirty="0" smtClean="0"/>
+              <a:t>DISCONNECT</a:t>
+            </a:r>
+          </a:p>
+          <a:p>
+            <a:pPr marL="342900" indent="-342900" algn="l">
+              <a:buAutoNum type="arabicPeriod"/>
+            </a:pPr>
+            <a:r>
+              <a:rPr lang="en-US" altLang="ko-KR" sz="1600" dirty="0" smtClean="0"/>
+              <a:t>Server : Chatting </a:t>
+            </a:r>
+            <a:r>
+              <a:rPr lang="ko-KR" altLang="en-US" sz="1600" dirty="0" smtClean="0"/>
+              <a:t>★ </a:t>
+            </a:r>
+            <a:r>
+              <a:rPr lang="en-US" altLang="ko-KR" sz="1600" dirty="0" smtClean="0"/>
+              <a:t>DISCONNECT</a:t>
+            </a:r>
+          </a:p>
+          <a:p>
+            <a:pPr marL="342900" indent="-342900" algn="l">
+              <a:buAutoNum type="arabicPeriod"/>
+            </a:pPr>
+            <a:r>
+              <a:rPr lang="en-US" altLang="ko-KR" sz="1600" dirty="0" smtClean="0"/>
+              <a:t>Client : </a:t>
+            </a:r>
+            <a:r>
+              <a:rPr lang="ko-KR" altLang="en-US" sz="1600" dirty="0" smtClean="0"/>
+              <a:t>메시지 받고 종료</a:t>
+            </a:r>
+            <a:endParaRPr lang="en-US" altLang="ko-KR" sz="1600" dirty="0" smtClean="0"/>
+          </a:p>
+          <a:p>
+            <a:pPr marL="342900" indent="-342900" algn="l">
+              <a:buAutoNum type="arabicPeriod"/>
+            </a:pPr>
+            <a:r>
+              <a:rPr lang="en-US" altLang="ko-KR" sz="1600" dirty="0" smtClean="0"/>
+              <a:t>Server : Chatting </a:t>
+            </a:r>
+            <a:r>
+              <a:rPr lang="ko-KR" altLang="en-US" sz="1600" dirty="0" smtClean="0"/>
+              <a:t>★ </a:t>
+            </a:r>
+            <a:r>
+              <a:rPr lang="en-US" altLang="ko-KR" sz="1600" dirty="0" smtClean="0"/>
+              <a:t>SC_DELETE_USER </a:t>
+            </a:r>
+            <a:r>
+              <a:rPr lang="ko-KR" altLang="en-US" sz="1600" dirty="0" smtClean="0"/>
+              <a:t>★ </a:t>
+            </a:r>
+            <a:r>
+              <a:rPr lang="en-US" altLang="ko-KR" sz="1600" dirty="0" err="1" smtClean="0"/>
+              <a:t>nickName</a:t>
+            </a:r>
+            <a:r>
+              <a:rPr lang="en-US" altLang="ko-KR" sz="1600" dirty="0" smtClean="0"/>
+              <a:t> (</a:t>
+            </a:r>
+            <a:r>
+              <a:rPr lang="ko-KR" altLang="en-US" sz="1600" dirty="0" err="1" smtClean="0"/>
+              <a:t>채팅방</a:t>
+            </a:r>
+            <a:r>
+              <a:rPr lang="ko-KR" altLang="en-US" sz="1600" dirty="0" smtClean="0"/>
+              <a:t> 모두에게</a:t>
+            </a:r>
+            <a:r>
+              <a:rPr lang="en-US" altLang="ko-KR" sz="1600" dirty="0" smtClean="0"/>
+              <a:t>)</a:t>
+            </a:r>
+          </a:p>
+          <a:p>
+            <a:pPr marL="342900" indent="-342900" algn="l">
+              <a:buAutoNum type="arabicPeriod"/>
+            </a:pPr>
+            <a:endParaRPr lang="en-US" altLang="ko-KR" sz="1600" dirty="0"/>
+          </a:p>
+          <a:p>
+            <a:pPr algn="l"/>
+            <a:r>
+              <a:rPr lang="en-US" altLang="ko-KR" sz="1600" dirty="0"/>
+              <a:t>EX3) Waiting</a:t>
+            </a:r>
+            <a:r>
+              <a:rPr lang="ko-KR" altLang="en-US" sz="1600" dirty="0"/>
+              <a:t>으로 </a:t>
+            </a:r>
+            <a:r>
+              <a:rPr lang="ko-KR" altLang="en-US" sz="1600" dirty="0" smtClean="0"/>
+              <a:t>나가기</a:t>
+            </a:r>
+            <a:endParaRPr lang="en-US" altLang="ko-KR" sz="1600" dirty="0" smtClean="0"/>
+          </a:p>
+          <a:p>
+            <a:pPr marL="342900" indent="-342900" algn="l">
+              <a:buAutoNum type="arabicPeriod"/>
+            </a:pPr>
+            <a:r>
+              <a:rPr lang="en-US" altLang="ko-KR" sz="1600" dirty="0" smtClean="0"/>
+              <a:t>Client : Chatting </a:t>
+            </a:r>
+            <a:r>
+              <a:rPr lang="ko-KR" altLang="en-US" sz="1600" dirty="0" smtClean="0"/>
+              <a:t>★ </a:t>
+            </a:r>
+            <a:r>
+              <a:rPr lang="en-US" altLang="ko-KR" sz="1600" dirty="0" smtClean="0"/>
+              <a:t>EXIT_ROOM</a:t>
+            </a:r>
+          </a:p>
+          <a:p>
+            <a:pPr marL="342900" indent="-342900" algn="l">
+              <a:buAutoNum type="arabicPeriod"/>
+            </a:pPr>
+            <a:r>
+              <a:rPr lang="en-US" altLang="ko-KR" sz="1600" dirty="0" smtClean="0"/>
+              <a:t>Server : Chatting </a:t>
+            </a:r>
+            <a:r>
+              <a:rPr lang="ko-KR" altLang="en-US" sz="1600" dirty="0" smtClean="0"/>
+              <a:t>★ </a:t>
+            </a:r>
+            <a:r>
+              <a:rPr lang="en-US" altLang="ko-KR" sz="1600" dirty="0" smtClean="0"/>
+              <a:t>EXIT_ROOM (</a:t>
+            </a:r>
+            <a:r>
+              <a:rPr lang="ko-KR" altLang="en-US" sz="1600" dirty="0" smtClean="0"/>
+              <a:t>해당 클라이언트에게</a:t>
+            </a:r>
+            <a:r>
+              <a:rPr lang="en-US" altLang="ko-KR" sz="1600" dirty="0" smtClean="0"/>
+              <a:t>)</a:t>
+            </a:r>
+          </a:p>
+          <a:p>
+            <a:pPr marL="342900" indent="-342900" algn="l">
+              <a:buAutoNum type="arabicPeriod"/>
+            </a:pPr>
+            <a:r>
+              <a:rPr lang="en-US" altLang="ko-KR" sz="1600" dirty="0" smtClean="0"/>
+              <a:t>Client : </a:t>
+            </a:r>
+            <a:r>
+              <a:rPr lang="ko-KR" altLang="en-US" sz="1600" dirty="0" smtClean="0"/>
+              <a:t>메시지 받아서 </a:t>
+            </a:r>
+            <a:r>
+              <a:rPr lang="ko-KR" altLang="en-US" sz="1600" dirty="0" err="1" smtClean="0"/>
+              <a:t>웨이팅으로</a:t>
+            </a:r>
+            <a:r>
+              <a:rPr lang="ko-KR" altLang="en-US" sz="1600" dirty="0" smtClean="0"/>
+              <a:t> 이동</a:t>
+            </a:r>
+            <a:endParaRPr lang="en-US" altLang="ko-KR" sz="1600" dirty="0" smtClean="0"/>
+          </a:p>
+          <a:p>
+            <a:pPr marL="342900" indent="-342900" algn="l">
+              <a:buAutoNum type="arabicPeriod"/>
+            </a:pPr>
+            <a:r>
+              <a:rPr lang="en-US" altLang="ko-KR" sz="1600" dirty="0" smtClean="0"/>
+              <a:t>Server : Chatting </a:t>
+            </a:r>
+            <a:r>
+              <a:rPr lang="ko-KR" altLang="en-US" sz="1600" dirty="0" smtClean="0"/>
+              <a:t>★ </a:t>
+            </a:r>
+            <a:r>
+              <a:rPr lang="en-US" altLang="ko-KR" sz="1600" dirty="0"/>
+              <a:t>SC_DELETE_USER </a:t>
+            </a:r>
+            <a:r>
+              <a:rPr lang="ko-KR" altLang="en-US" sz="1600" dirty="0"/>
+              <a:t>★ </a:t>
+            </a:r>
+            <a:r>
+              <a:rPr lang="en-US" altLang="ko-KR" sz="1600" dirty="0" err="1"/>
+              <a:t>nickName</a:t>
+            </a:r>
+            <a:r>
+              <a:rPr lang="en-US" altLang="ko-KR" sz="1600" dirty="0"/>
+              <a:t> </a:t>
+            </a:r>
+            <a:r>
+              <a:rPr lang="en-US" altLang="ko-KR" sz="1600" dirty="0" smtClean="0"/>
+              <a:t>(</a:t>
+            </a:r>
+            <a:r>
+              <a:rPr lang="ko-KR" altLang="en-US" sz="1600" dirty="0" err="1" smtClean="0"/>
+              <a:t>채팅방</a:t>
+            </a:r>
+            <a:r>
+              <a:rPr lang="ko-KR" altLang="en-US" sz="1600" dirty="0" smtClean="0"/>
+              <a:t> </a:t>
+            </a:r>
+            <a:r>
+              <a:rPr lang="ko-KR" altLang="en-US" sz="1600" dirty="0"/>
+              <a:t>모두에게</a:t>
+            </a:r>
+            <a:r>
+              <a:rPr lang="en-US" altLang="ko-KR" sz="1600" dirty="0" smtClean="0"/>
+              <a:t>) </a:t>
+            </a:r>
+            <a:r>
+              <a:rPr lang="ko-KR" altLang="en-US" sz="1600" dirty="0" smtClean="0"/>
+              <a:t>메시지내용</a:t>
+            </a:r>
+            <a:endParaRPr lang="en-US" altLang="ko-KR" sz="1600" dirty="0" smtClean="0"/>
+          </a:p>
+        </p:txBody>
+      </p:sp>
+    </p:spTree>
+  </p:cSld>
+  <p:clrMapOvr>
+    <a:masterClrMapping/>
+  </p:clrMapOvr>
+</p:sld>
+</file>
+
+<file path=ppt/slides/slide28.xml><?xml version="1.0" encoding="utf-8"?>
+<p:sld xmlns:a="http://schemas.openxmlformats.org/drawingml/2006/main" xmlns:r="http://schemas.openxmlformats.org/officeDocument/2006/relationships" xmlns:p="http://schemas.openxmlformats.org/presentationml/2006/main">
+  <p:cSld>
+    <p:spTree>
+      <p:nvGrpSpPr>
+        <p:cNvPr id="1" name=""/>
+        <p:cNvGrpSpPr/>
+        <p:nvPr/>
+      </p:nvGrpSpPr>
+      <p:grpSpPr>
+        <a:xfrm>
+          <a:off x="0" y="0"/>
+          <a:ext cx="0" cy="0"/>
+          <a:chOff x="0" y="0"/>
+          <a:chExt cx="0" cy="0"/>
+        </a:xfrm>
+      </p:grpSpPr>
+      <p:sp>
+        <p:nvSpPr>
+          <p:cNvPr id="31746" name="제목 1"/>
+          <p:cNvSpPr>
+            <a:spLocks noGrp="1"/>
+          </p:cNvSpPr>
+          <p:nvPr>
+            <p:ph type="title"/>
+          </p:nvPr>
+        </p:nvSpPr>
+        <p:spPr>
+          <a:xfrm>
+            <a:off x="304800" y="304800"/>
+            <a:ext cx="7391400" cy="563563"/>
+          </a:xfrm>
+        </p:spPr>
+        <p:txBody>
+          <a:bodyPr/>
+          <a:lstStyle/>
+          <a:p>
+            <a:r>
+              <a:rPr lang="en-US" altLang="ko-KR" smtClean="0"/>
+              <a:t>Chatting </a:t>
+            </a:r>
+            <a:r>
+              <a:rPr lang="ko-KR" altLang="en-US" smtClean="0"/>
+              <a:t>프로토콜 </a:t>
+            </a:r>
+          </a:p>
+        </p:txBody>
+      </p:sp>
+      <p:sp>
+        <p:nvSpPr>
+          <p:cNvPr id="31747" name="TextBox 3"/>
+          <p:cNvSpPr txBox="1">
+            <a:spLocks noChangeArrowheads="1"/>
+          </p:cNvSpPr>
+          <p:nvPr/>
+        </p:nvSpPr>
+        <p:spPr bwMode="auto">
+          <a:xfrm>
+            <a:off x="671945" y="914400"/>
+            <a:ext cx="7010400" cy="4524315"/>
           </a:xfrm>
           <a:prstGeom prst="rect">
             <a:avLst/>
@@ -49112,100 +50352,381 @@
             </a:lvl9pPr>
           </a:lstStyle>
           <a:p>
-            <a:pPr algn="l"/>
-            <a:r>
-              <a:rPr lang="en-US" altLang="ko-KR" sz="1600"/>
-              <a:t>Ex) </a:t>
-            </a:r>
-            <a:r>
-              <a:rPr lang="ko-KR" altLang="en-US" sz="1600"/>
-              <a:t>새 </a:t>
-            </a:r>
-            <a:r>
-              <a:rPr lang="en-US" altLang="ko-KR" sz="1600"/>
-              <a:t>user </a:t>
-            </a:r>
-            <a:r>
-              <a:rPr lang="ko-KR" altLang="en-US" sz="1600"/>
-              <a:t>입장</a:t>
-            </a:r>
-            <a:endParaRPr lang="en-US" altLang="ko-KR" sz="1600"/>
+            <a:pPr marL="342900" indent="-342900" algn="l">
+              <a:buAutoNum type="arabicPeriod"/>
+            </a:pPr>
+            <a:endParaRPr lang="en-US" altLang="ko-KR" sz="1600" dirty="0"/>
           </a:p>
           <a:p>
             <a:pPr algn="l"/>
             <a:r>
-              <a:rPr lang="en-US" altLang="ko-KR" sz="1600"/>
-              <a:t>EX2) </a:t>
-            </a:r>
-            <a:r>
-              <a:rPr lang="ko-KR" altLang="en-US" sz="1600"/>
-              <a:t>어느 </a:t>
-            </a:r>
-            <a:r>
-              <a:rPr lang="en-US" altLang="ko-KR" sz="1600"/>
-              <a:t>user </a:t>
-            </a:r>
-            <a:r>
-              <a:rPr lang="ko-KR" altLang="en-US" sz="1600"/>
-              <a:t>종료</a:t>
-            </a:r>
-            <a:endParaRPr lang="en-US" altLang="ko-KR" sz="1600"/>
+              <a:rPr lang="en-US" altLang="ko-KR" sz="1600" dirty="0"/>
+              <a:t>EX4) </a:t>
+            </a:r>
+            <a:r>
+              <a:rPr lang="ko-KR" altLang="en-US" sz="1600" dirty="0"/>
+              <a:t>채팅 메시지 </a:t>
+            </a:r>
+            <a:r>
+              <a:rPr lang="ko-KR" altLang="en-US" sz="1600" dirty="0" smtClean="0"/>
+              <a:t>보내기</a:t>
+            </a:r>
+            <a:endParaRPr lang="en-US" altLang="ko-KR" sz="1600" dirty="0" smtClean="0"/>
+          </a:p>
+          <a:p>
+            <a:pPr marL="342900" indent="-342900" algn="l">
+              <a:buAutoNum type="arabicPeriod"/>
+            </a:pPr>
+            <a:r>
+              <a:rPr lang="en-US" altLang="ko-KR" sz="1600" dirty="0" smtClean="0"/>
+              <a:t>Client : Chatting </a:t>
+            </a:r>
+            <a:r>
+              <a:rPr lang="ko-KR" altLang="en-US" sz="1600" dirty="0" smtClean="0"/>
+              <a:t>★ </a:t>
+            </a:r>
+            <a:r>
+              <a:rPr lang="en-US" altLang="ko-KR" sz="1600" dirty="0" smtClean="0"/>
+              <a:t>CS_MESSAGE </a:t>
+            </a:r>
+            <a:r>
+              <a:rPr lang="ko-KR" altLang="en-US" sz="1600" dirty="0" smtClean="0"/>
+              <a:t>★ </a:t>
+            </a:r>
+            <a:r>
+              <a:rPr lang="ko-KR" altLang="en-US" sz="1600" dirty="0" err="1" smtClean="0"/>
+              <a:t>메세지내용</a:t>
+            </a:r>
+            <a:endParaRPr lang="en-US" altLang="ko-KR" sz="1600" dirty="0" smtClean="0"/>
+          </a:p>
+          <a:p>
+            <a:pPr marL="342900" indent="-342900" algn="l">
+              <a:buAutoNum type="arabicPeriod"/>
+            </a:pPr>
+            <a:r>
+              <a:rPr lang="en-US" altLang="ko-KR" sz="1600" dirty="0" smtClean="0"/>
+              <a:t>Server : Chatting </a:t>
+            </a:r>
+            <a:r>
+              <a:rPr lang="ko-KR" altLang="en-US" sz="1600" dirty="0" smtClean="0"/>
+              <a:t>★ </a:t>
+            </a:r>
+            <a:r>
+              <a:rPr lang="en-US" altLang="ko-KR" sz="1600" dirty="0" smtClean="0"/>
+              <a:t>SC_MESSAGE </a:t>
+            </a:r>
+            <a:r>
+              <a:rPr lang="ko-KR" altLang="en-US" sz="1600" dirty="0" smtClean="0"/>
+              <a:t>★ 메시지내용 </a:t>
+            </a:r>
+            <a:r>
+              <a:rPr lang="en-US" altLang="ko-KR" sz="1600" dirty="0" smtClean="0"/>
+              <a:t>(</a:t>
+            </a:r>
+            <a:r>
+              <a:rPr lang="ko-KR" altLang="en-US" sz="1600" dirty="0" err="1" smtClean="0"/>
+              <a:t>채팅방모두에게</a:t>
+            </a:r>
+            <a:r>
+              <a:rPr lang="en-US" altLang="ko-KR" sz="1600" dirty="0" smtClean="0"/>
+              <a:t>)</a:t>
+            </a:r>
+          </a:p>
+          <a:p>
+            <a:pPr marL="342900" indent="-342900" algn="l">
+              <a:buAutoNum type="arabicPeriod"/>
+            </a:pPr>
+            <a:r>
+              <a:rPr lang="en-US" altLang="ko-KR" sz="1600" dirty="0" smtClean="0"/>
+              <a:t>Client : </a:t>
+            </a:r>
+            <a:r>
+              <a:rPr lang="ko-KR" altLang="en-US" sz="1600" dirty="0" smtClean="0"/>
+              <a:t>서버 메시지내용 받아 출력하기</a:t>
+            </a:r>
+            <a:endParaRPr lang="en-US" altLang="ko-KR" sz="1600" dirty="0" smtClean="0"/>
+          </a:p>
+          <a:p>
+            <a:pPr marL="342900" indent="-342900" algn="l">
+              <a:buAutoNum type="arabicPeriod"/>
+            </a:pPr>
+            <a:endParaRPr lang="en-US" altLang="ko-KR" sz="1600" dirty="0"/>
           </a:p>
           <a:p>
             <a:pPr algn="l"/>
             <a:r>
-              <a:rPr lang="en-US" altLang="ko-KR" sz="1600"/>
-              <a:t>EX3) Waiting</a:t>
-            </a:r>
-            <a:r>
-              <a:rPr lang="ko-KR" altLang="en-US" sz="1600"/>
-              <a:t>으로 나가기</a:t>
-            </a:r>
-            <a:endParaRPr lang="en-US" altLang="ko-KR" sz="1600"/>
+              <a:rPr lang="en-US" altLang="ko-KR" sz="1600" dirty="0"/>
+              <a:t>EX5) waiting</a:t>
+            </a:r>
+            <a:r>
+              <a:rPr lang="ko-KR" altLang="en-US" sz="1600" dirty="0"/>
+              <a:t>에 있는 </a:t>
+            </a:r>
+            <a:r>
+              <a:rPr lang="en-US" altLang="ko-KR" sz="1600" dirty="0"/>
+              <a:t>user</a:t>
+            </a:r>
+            <a:r>
+              <a:rPr lang="ko-KR" altLang="en-US" sz="1600" dirty="0"/>
+              <a:t>에게 초대 </a:t>
+            </a:r>
+            <a:r>
+              <a:rPr lang="ko-KR" altLang="en-US" sz="1600" dirty="0" smtClean="0"/>
+              <a:t>보내기</a:t>
+            </a:r>
+            <a:endParaRPr lang="en-US" altLang="ko-KR" sz="1600" dirty="0" smtClean="0"/>
+          </a:p>
+          <a:p>
+            <a:pPr marL="342900" indent="-342900" algn="l">
+              <a:buAutoNum type="arabicPeriod"/>
+            </a:pPr>
+            <a:r>
+              <a:rPr lang="en-US" altLang="ko-KR" sz="1600" dirty="0" smtClean="0"/>
+              <a:t>Client : Chatting </a:t>
+            </a:r>
+            <a:r>
+              <a:rPr lang="ko-KR" altLang="en-US" sz="1600" dirty="0" smtClean="0"/>
+              <a:t>★ </a:t>
+            </a:r>
+            <a:r>
+              <a:rPr lang="en-US" altLang="ko-KR" sz="1600" dirty="0" smtClean="0"/>
+              <a:t>INVITE </a:t>
+            </a:r>
+            <a:r>
+              <a:rPr lang="ko-KR" altLang="en-US" sz="1600" dirty="0" smtClean="0"/>
+              <a:t>★ </a:t>
+            </a:r>
+            <a:r>
+              <a:rPr lang="en-US" altLang="ko-KR" sz="1600" dirty="0" smtClean="0"/>
+              <a:t>USER_LIST</a:t>
+            </a:r>
+          </a:p>
+          <a:p>
+            <a:pPr marL="342900" indent="-342900" algn="l">
+              <a:buAutoNum type="arabicPeriod"/>
+            </a:pPr>
+            <a:r>
+              <a:rPr lang="en-US" altLang="ko-KR" sz="1600" dirty="0" smtClean="0"/>
+              <a:t>Server : Chatting </a:t>
+            </a:r>
+            <a:r>
+              <a:rPr lang="ko-KR" altLang="en-US" sz="1600" dirty="0" smtClean="0"/>
+              <a:t>★ </a:t>
+            </a:r>
+            <a:r>
+              <a:rPr lang="en-US" altLang="ko-KR" sz="1600" dirty="0" smtClean="0"/>
+              <a:t>INVITE </a:t>
+            </a:r>
+            <a:r>
+              <a:rPr lang="ko-KR" altLang="en-US" sz="1600" dirty="0" smtClean="0"/>
+              <a:t>★ </a:t>
+            </a:r>
+            <a:r>
+              <a:rPr lang="en-US" altLang="ko-KR" sz="1600" dirty="0" smtClean="0"/>
+              <a:t>USER_LIST</a:t>
+            </a:r>
+            <a:r>
+              <a:rPr lang="ko-KR" altLang="en-US" sz="1600" dirty="0" smtClean="0"/>
+              <a:t> </a:t>
+            </a:r>
+            <a:r>
+              <a:rPr lang="ko-KR" altLang="en-US" sz="1600" dirty="0"/>
+              <a:t>★ </a:t>
+            </a:r>
+            <a:r>
+              <a:rPr lang="ko-KR" altLang="en-US" sz="1600" dirty="0" smtClean="0"/>
+              <a:t>유저리스트</a:t>
+            </a:r>
+            <a:endParaRPr lang="en-US" altLang="ko-KR" sz="1600" dirty="0" smtClean="0"/>
+          </a:p>
+          <a:p>
+            <a:pPr marL="342900" indent="-342900" algn="l">
+              <a:buAutoNum type="arabicPeriod"/>
+            </a:pPr>
+            <a:r>
+              <a:rPr lang="en-US" altLang="ko-KR" sz="1600" dirty="0" smtClean="0"/>
+              <a:t>Client : </a:t>
+            </a:r>
+            <a:r>
+              <a:rPr lang="ko-KR" altLang="en-US" sz="1600" dirty="0" smtClean="0"/>
+              <a:t>서버 유저리스트 받아 자신의 초대 리스트에 추가</a:t>
+            </a:r>
+            <a:endParaRPr lang="en-US" altLang="ko-KR" sz="1600" dirty="0" smtClean="0"/>
+          </a:p>
+          <a:p>
+            <a:pPr marL="342900" indent="-342900" algn="l">
+              <a:buAutoNum type="arabicPeriod"/>
+            </a:pPr>
+            <a:r>
+              <a:rPr lang="en-US" altLang="ko-KR" sz="1600" dirty="0" smtClean="0"/>
+              <a:t>Client : </a:t>
+            </a:r>
+            <a:r>
+              <a:rPr lang="ko-KR" altLang="en-US" sz="1600" dirty="0" smtClean="0"/>
+              <a:t>한 명 골라 초대 버튼 클릭</a:t>
+            </a:r>
+            <a:endParaRPr lang="en-US" altLang="ko-KR" sz="1600" dirty="0" smtClean="0"/>
+          </a:p>
+          <a:p>
+            <a:pPr marL="342900" indent="-342900" algn="l">
+              <a:buAutoNum type="arabicPeriod"/>
+            </a:pPr>
+            <a:r>
+              <a:rPr lang="en-US" altLang="ko-KR" sz="1600" dirty="0" smtClean="0"/>
+              <a:t>Client : Chatting </a:t>
+            </a:r>
+            <a:r>
+              <a:rPr lang="ko-KR" altLang="en-US" sz="1600" dirty="0" smtClean="0"/>
+              <a:t>★ </a:t>
+            </a:r>
+            <a:r>
+              <a:rPr lang="en-US" altLang="ko-KR" sz="1600" dirty="0" smtClean="0"/>
+              <a:t>INVITE </a:t>
+            </a:r>
+            <a:r>
+              <a:rPr lang="ko-KR" altLang="en-US" sz="1600" dirty="0" smtClean="0"/>
+              <a:t>★ </a:t>
+            </a:r>
+            <a:r>
+              <a:rPr lang="en-US" altLang="ko-KR" sz="1600" dirty="0" smtClean="0"/>
+              <a:t>USER </a:t>
+            </a:r>
+            <a:r>
+              <a:rPr lang="ko-KR" altLang="en-US" sz="1600" dirty="0" smtClean="0"/>
+              <a:t>★ </a:t>
+            </a:r>
+            <a:r>
+              <a:rPr lang="en-US" altLang="ko-KR" sz="1600" dirty="0" err="1" smtClean="0"/>
+              <a:t>nickName</a:t>
+            </a:r>
+            <a:endParaRPr lang="en-US" altLang="ko-KR" sz="1600" dirty="0" smtClean="0"/>
+          </a:p>
+          <a:p>
+            <a:pPr marL="342900" indent="-342900" algn="l">
+              <a:buAutoNum type="arabicPeriod"/>
+            </a:pPr>
+            <a:r>
+              <a:rPr lang="en-US" altLang="ko-KR" sz="1600" dirty="0" smtClean="0"/>
+              <a:t>Server : </a:t>
+            </a:r>
+            <a:r>
+              <a:rPr lang="ko-KR" altLang="en-US" sz="1600" dirty="0" smtClean="0"/>
+              <a:t>보내준 닉네임에게 초대 메시지 보내기</a:t>
+            </a:r>
+            <a:endParaRPr lang="en-US" altLang="ko-KR" sz="1600" dirty="0"/>
           </a:p>
           <a:p>
             <a:pPr algn="l"/>
-            <a:r>
-              <a:rPr lang="en-US" altLang="ko-KR" sz="1600"/>
-              <a:t>EX4) </a:t>
-            </a:r>
-            <a:r>
-              <a:rPr lang="ko-KR" altLang="en-US" sz="1600"/>
-              <a:t>채팅 메시지 보내기</a:t>
-            </a:r>
-            <a:endParaRPr lang="en-US" altLang="ko-KR" sz="1600"/>
+            <a:endParaRPr lang="en-US" altLang="ko-KR" sz="1600" dirty="0" smtClean="0"/>
           </a:p>
           <a:p>
             <a:pPr algn="l"/>
             <a:r>
-              <a:rPr lang="en-US" altLang="ko-KR" sz="1600"/>
-              <a:t>EX5) waiting</a:t>
-            </a:r>
-            <a:r>
-              <a:rPr lang="ko-KR" altLang="en-US" sz="1600"/>
-              <a:t>에 있는 </a:t>
-            </a:r>
-            <a:r>
-              <a:rPr lang="en-US" altLang="ko-KR" sz="1600"/>
+              <a:rPr lang="en-US" altLang="ko-KR" sz="1600" dirty="0"/>
+              <a:t>EX5) </a:t>
+            </a:r>
+            <a:r>
+              <a:rPr lang="ko-KR" altLang="en-US" sz="1600" dirty="0" err="1" smtClean="0"/>
+              <a:t>채팅방</a:t>
+            </a:r>
+            <a:r>
+              <a:rPr lang="ko-KR" altLang="en-US" sz="1600" dirty="0" err="1"/>
+              <a:t>에</a:t>
+            </a:r>
+            <a:r>
+              <a:rPr lang="ko-KR" altLang="en-US" sz="1600" dirty="0" smtClean="0"/>
+              <a:t> </a:t>
+            </a:r>
+            <a:r>
+              <a:rPr lang="ko-KR" altLang="en-US" sz="1600" dirty="0"/>
+              <a:t>있는 </a:t>
+            </a:r>
+            <a:r>
+              <a:rPr lang="en-US" altLang="ko-KR" sz="1600" dirty="0"/>
               <a:t>user</a:t>
             </a:r>
             <a:r>
-              <a:rPr lang="ko-KR" altLang="en-US" sz="1600"/>
-              <a:t>에게 초대 보내기</a:t>
-            </a:r>
-            <a:endParaRPr lang="en-US" altLang="ko-KR" sz="1600"/>
+              <a:rPr lang="ko-KR" altLang="en-US" sz="1600" dirty="0"/>
+              <a:t>에게 </a:t>
+            </a:r>
+            <a:r>
+              <a:rPr lang="ko-KR" altLang="en-US" sz="1600" dirty="0" smtClean="0"/>
+              <a:t>귓속</a:t>
+            </a:r>
+            <a:r>
+              <a:rPr lang="ko-KR" altLang="en-US" sz="1600" dirty="0"/>
+              <a:t>말</a:t>
+            </a:r>
+            <a:r>
+              <a:rPr lang="ko-KR" altLang="en-US" sz="1600" dirty="0" smtClean="0"/>
+              <a:t> 보내기</a:t>
+            </a:r>
+            <a:endParaRPr lang="en-US" altLang="ko-KR" sz="1600" dirty="0" smtClean="0"/>
           </a:p>
           <a:p>
-            <a:pPr algn="l"/>
-            <a:endParaRPr lang="en-US" altLang="ko-KR" sz="1600"/>
+            <a:pPr marL="342900" indent="-342900" algn="l">
+              <a:buAutoNum type="arabicPeriod"/>
+            </a:pPr>
+            <a:r>
+              <a:rPr lang="en-US" altLang="ko-KR" sz="1600" dirty="0" smtClean="0"/>
+              <a:t>Client : Chatting </a:t>
+            </a:r>
+            <a:r>
+              <a:rPr lang="ko-KR" altLang="en-US" sz="1600" dirty="0" smtClean="0"/>
+              <a:t>★ </a:t>
+            </a:r>
+            <a:r>
+              <a:rPr lang="en-US" altLang="ko-KR" sz="1600" dirty="0" smtClean="0"/>
+              <a:t>WHISPHER </a:t>
+            </a:r>
+            <a:r>
+              <a:rPr lang="ko-KR" altLang="en-US" sz="1600" dirty="0" smtClean="0"/>
+              <a:t>★ </a:t>
+            </a:r>
+            <a:r>
+              <a:rPr lang="en-US" altLang="ko-KR" sz="1600" dirty="0" err="1" smtClean="0"/>
+              <a:t>nickName</a:t>
+            </a:r>
+            <a:r>
+              <a:rPr lang="en-US" altLang="ko-KR" sz="1600" dirty="0" smtClean="0"/>
+              <a:t> </a:t>
+            </a:r>
+            <a:r>
+              <a:rPr lang="ko-KR" altLang="en-US" sz="1600" dirty="0" smtClean="0"/>
+              <a:t>★ 메시지내용</a:t>
+            </a:r>
+            <a:endParaRPr lang="en-US" altLang="ko-KR" sz="1600" dirty="0" smtClean="0"/>
           </a:p>
           <a:p>
-            <a:pPr algn="l"/>
-            <a:endParaRPr lang="en-US" altLang="ko-KR" sz="1600"/>
+            <a:pPr marL="342900" indent="-342900" algn="l">
+              <a:buAutoNum type="arabicPeriod"/>
+            </a:pPr>
+            <a:r>
+              <a:rPr lang="en-US" altLang="ko-KR" sz="1600" dirty="0" smtClean="0"/>
+              <a:t>Server : Chatting </a:t>
+            </a:r>
+            <a:r>
+              <a:rPr lang="ko-KR" altLang="en-US" sz="1600" dirty="0" smtClean="0"/>
+              <a:t>★ </a:t>
+            </a:r>
+            <a:r>
+              <a:rPr lang="en-US" altLang="ko-KR" sz="1600" dirty="0" smtClean="0"/>
+              <a:t>WHISPHER </a:t>
+            </a:r>
+            <a:r>
+              <a:rPr lang="ko-KR" altLang="en-US" sz="1600" dirty="0" smtClean="0"/>
+              <a:t>★ 메시지내용</a:t>
+            </a:r>
+            <a:endParaRPr lang="en-US" altLang="ko-KR" sz="1600" dirty="0" smtClean="0"/>
           </a:p>
         </p:txBody>
       </p:sp>
     </p:spTree>
+    <p:extLst>
+      <p:ext uri="{BB962C8B-B14F-4D97-AF65-F5344CB8AC3E}">
+        <p14:creationId xmlns:p14="http://schemas.microsoft.com/office/powerpoint/2010/main" val="3668639433"/>
+      </p:ext>
+    </p:extLst>
   </p:cSld>
   <p:clrMapOvr>
     <a:masterClrMapping/>
